--- a/FannieMaeArchConfTakeaways.pptx
+++ b/FannieMaeArchConfTakeaways.pptx
@@ -5,15 +5,20 @@
     <p:sldMasterId id="2147483648" r:id="rId1"/>
   </p:sldMasterIdLst>
   <p:notesMasterIdLst>
-    <p:notesMasterId r:id="rId8"/>
+    <p:notesMasterId r:id="rId13"/>
   </p:notesMasterIdLst>
   <p:sldIdLst>
     <p:sldId id="256" r:id="rId2"/>
     <p:sldId id="257" r:id="rId3"/>
-    <p:sldId id="258" r:id="rId4"/>
-    <p:sldId id="260" r:id="rId5"/>
-    <p:sldId id="261" r:id="rId6"/>
-    <p:sldId id="262" r:id="rId7"/>
+    <p:sldId id="264" r:id="rId4"/>
+    <p:sldId id="263" r:id="rId5"/>
+    <p:sldId id="266" r:id="rId6"/>
+    <p:sldId id="267" r:id="rId7"/>
+    <p:sldId id="265" r:id="rId8"/>
+    <p:sldId id="258" r:id="rId9"/>
+    <p:sldId id="260" r:id="rId10"/>
+    <p:sldId id="261" r:id="rId11"/>
+    <p:sldId id="262" r:id="rId12"/>
   </p:sldIdLst>
   <p:sldSz cx="9144000" cy="6858000" type="screen4x3"/>
   <p:notesSz cx="6858000" cy="9144000"/>
@@ -509,92 +514,463 @@
           <a:bodyPr/>
           <a:lstStyle/>
           <a:p>
-            <a:pPr marL="0" marR="0" indent="0" algn="l" defTabSz="457200" rtl="0" eaLnBrk="1" fontAlgn="auto" latinLnBrk="0" hangingPunct="1">
-              <a:lnSpc>
-                <a:spcPct val="100000"/>
-              </a:lnSpc>
-              <a:spcBef>
-                <a:spcPts val="0"/>
-              </a:spcBef>
-              <a:spcAft>
-                <a:spcPts val="0"/>
-              </a:spcAft>
-              <a:buClrTx/>
-              <a:buSzTx/>
-              <a:buFontTx/>
-              <a:buNone/>
-              <a:tabLst/>
-              <a:defRPr/>
-            </a:pPr>
-            <a:r>
-              <a:rPr lang="en-US" dirty="0" smtClean="0"/>
-              <a:t>Definition of ‘cloud’ includes </a:t>
-            </a:r>
+            <a:r>
+              <a:rPr lang="en-US" u="sng" dirty="0" smtClean="0"/>
+              <a:t>Anti-pattern:</a:t>
+            </a:r>
+          </a:p>
+          <a:p>
             <a:r>
               <a:rPr lang="en-US" sz="1200" kern="1200" dirty="0" smtClean="0">
                 <a:solidFill>
                   <a:schemeClr val="tx1"/>
                 </a:solidFill>
-                <a:effectLst/>
                 <a:latin typeface="+mn-lt"/>
                 <a:ea typeface="+mn-ea"/>
                 <a:cs typeface="+mn-cs"/>
               </a:rPr>
-              <a:t>both public cloud infrastructure (such as Amazon Web Services, Google Cloud, or Microsoft Azure) and private cloud infrastructure (such as VMware </a:t>
+              <a:t>public class Employee {</a:t>
+            </a:r>
+          </a:p>
+          <a:p>
+            <a:r>
+              <a:rPr lang="en-US" sz="1200" kern="1200" dirty="0" smtClean="0">
+                <a:solidFill>
+                  <a:schemeClr val="tx1"/>
+                </a:solidFill>
+                <a:latin typeface="+mn-lt"/>
+                <a:ea typeface="+mn-ea"/>
+                <a:cs typeface="+mn-cs"/>
+              </a:rPr>
+              <a:t>  public Money </a:t>
             </a:r>
             <a:r>
               <a:rPr lang="en-US" sz="1200" kern="1200" dirty="0" err="1" smtClean="0">
                 <a:solidFill>
                   <a:schemeClr val="tx1"/>
                 </a:solidFill>
-                <a:effectLst/>
                 <a:latin typeface="+mn-lt"/>
                 <a:ea typeface="+mn-ea"/>
                 <a:cs typeface="+mn-cs"/>
               </a:rPr>
-              <a:t>vSphere</a:t>
+              <a:t>calculatePay</a:t>
             </a:r>
             <a:r>
               <a:rPr lang="en-US" sz="1200" kern="1200" dirty="0" smtClean="0">
                 <a:solidFill>
                   <a:schemeClr val="tx1"/>
                 </a:solidFill>
-                <a:effectLst/>
                 <a:latin typeface="+mn-lt"/>
                 <a:ea typeface="+mn-ea"/>
                 <a:cs typeface="+mn-cs"/>
               </a:rPr>
-              <a:t> or </a:t>
+              <a:t>() ...</a:t>
+            </a:r>
+          </a:p>
+          <a:p>
+            <a:r>
+              <a:rPr lang="en-US" sz="1200" kern="1200" dirty="0" smtClean="0">
+                <a:solidFill>
+                  <a:schemeClr val="tx1"/>
+                </a:solidFill>
+                <a:latin typeface="+mn-lt"/>
+                <a:ea typeface="+mn-ea"/>
+                <a:cs typeface="+mn-cs"/>
+              </a:rPr>
+              <a:t>  public String </a:t>
             </a:r>
             <a:r>
               <a:rPr lang="en-US" sz="1200" kern="1200" dirty="0" err="1" smtClean="0">
                 <a:solidFill>
                   <a:schemeClr val="tx1"/>
                 </a:solidFill>
-                <a:effectLst/>
                 <a:latin typeface="+mn-lt"/>
                 <a:ea typeface="+mn-ea"/>
                 <a:cs typeface="+mn-cs"/>
               </a:rPr>
-              <a:t>OpenStack</a:t>
+              <a:t>reportHours</a:t>
             </a:r>
             <a:r>
               <a:rPr lang="en-US" sz="1200" kern="1200" dirty="0" smtClean="0">
                 <a:solidFill>
                   <a:schemeClr val="tx1"/>
                 </a:solidFill>
-                <a:effectLst/>
                 <a:latin typeface="+mn-lt"/>
                 <a:ea typeface="+mn-ea"/>
                 <a:cs typeface="+mn-cs"/>
               </a:rPr>
-              <a:t>). </a:t>
-            </a:r>
-            <a:endParaRPr lang="en-US" dirty="0" smtClean="0">
-              <a:effectLst/>
+              <a:t>() ...</a:t>
+            </a:r>
+          </a:p>
+          <a:p>
+            <a:r>
+              <a:rPr lang="en-US" sz="1200" kern="1200" dirty="0" smtClean="0">
+                <a:solidFill>
+                  <a:schemeClr val="tx1"/>
+                </a:solidFill>
+                <a:latin typeface="+mn-lt"/>
+                <a:ea typeface="+mn-ea"/>
+                <a:cs typeface="+mn-cs"/>
+              </a:rPr>
+              <a:t>  public void save() ...</a:t>
+            </a:r>
+          </a:p>
+          <a:p>
+            <a:r>
+              <a:rPr lang="en-US" sz="1200" kern="1200" dirty="0" smtClean="0">
+                <a:solidFill>
+                  <a:schemeClr val="tx1"/>
+                </a:solidFill>
+                <a:latin typeface="+mn-lt"/>
+                <a:ea typeface="+mn-ea"/>
+                <a:cs typeface="+mn-cs"/>
+              </a:rPr>
+              <a:t>}</a:t>
+            </a:r>
+          </a:p>
+          <a:p>
+            <a:endParaRPr lang="en-US" sz="1200" u="sng" kern="1200" dirty="0" smtClean="0">
+              <a:solidFill>
+                <a:schemeClr val="tx1"/>
+              </a:solidFill>
+              <a:latin typeface="+mn-lt"/>
+              <a:ea typeface="+mn-ea"/>
+              <a:cs typeface="+mn-cs"/>
             </a:endParaRPr>
           </a:p>
           <a:p>
+            <a:r>
+              <a:rPr lang="en-US" u="sng" dirty="0" err="1" smtClean="0"/>
+              <a:t>Microservice</a:t>
+            </a:r>
+            <a:r>
+              <a:rPr lang="en-US" u="sng" baseline="0" dirty="0" smtClean="0"/>
+              <a:t> </a:t>
+            </a:r>
+            <a:r>
+              <a:rPr lang="en-US" u="sng" dirty="0" smtClean="0"/>
+              <a:t>Pattern</a:t>
+            </a:r>
+            <a:r>
+              <a:rPr lang="en-US" dirty="0" smtClean="0"/>
+              <a:t>:</a:t>
+            </a:r>
+          </a:p>
+          <a:p>
+            <a:endParaRPr lang="en-US" dirty="0" smtClean="0"/>
+          </a:p>
+          <a:p>
+            <a:r>
+              <a:rPr lang="en-US" sz="1200" kern="1200" dirty="0" smtClean="0">
+                <a:solidFill>
+                  <a:schemeClr val="tx1"/>
+                </a:solidFill>
+                <a:latin typeface="+mn-lt"/>
+                <a:ea typeface="+mn-ea"/>
+                <a:cs typeface="+mn-cs"/>
+              </a:rPr>
+              <a:t>Employee Service:</a:t>
+            </a:r>
+          </a:p>
+          <a:p>
+            <a:r>
+              <a:rPr lang="en-US" sz="1200" kern="1200" dirty="0" smtClean="0">
+                <a:solidFill>
+                  <a:schemeClr val="tx1"/>
+                </a:solidFill>
+                <a:latin typeface="+mn-lt"/>
+                <a:ea typeface="+mn-ea"/>
+                <a:cs typeface="+mn-cs"/>
+              </a:rPr>
+              <a:t>public class Employee {</a:t>
+            </a:r>
+          </a:p>
+          <a:p>
+            <a:r>
+              <a:rPr lang="en-US" sz="1200" kern="1200" dirty="0" smtClean="0">
+                <a:solidFill>
+                  <a:schemeClr val="tx1"/>
+                </a:solidFill>
+                <a:latin typeface="+mn-lt"/>
+                <a:ea typeface="+mn-ea"/>
+                <a:cs typeface="+mn-cs"/>
+              </a:rPr>
+              <a:t>  public Money </a:t>
+            </a:r>
+            <a:r>
+              <a:rPr lang="en-US" sz="1200" kern="1200" dirty="0" err="1" smtClean="0">
+                <a:solidFill>
+                  <a:schemeClr val="tx1"/>
+                </a:solidFill>
+                <a:latin typeface="+mn-lt"/>
+                <a:ea typeface="+mn-ea"/>
+                <a:cs typeface="+mn-cs"/>
+              </a:rPr>
+              <a:t>calculatePay</a:t>
+            </a:r>
+            <a:r>
+              <a:rPr lang="en-US" sz="1200" kern="1200" dirty="0" smtClean="0">
+                <a:solidFill>
+                  <a:schemeClr val="tx1"/>
+                </a:solidFill>
+                <a:latin typeface="+mn-lt"/>
+                <a:ea typeface="+mn-ea"/>
+                <a:cs typeface="+mn-cs"/>
+              </a:rPr>
+              <a:t>() ...</a:t>
+            </a:r>
+          </a:p>
+          <a:p>
+            <a:r>
+              <a:rPr lang="en-US" sz="1200" kern="1200" dirty="0" smtClean="0">
+                <a:solidFill>
+                  <a:schemeClr val="tx1"/>
+                </a:solidFill>
+                <a:latin typeface="+mn-lt"/>
+                <a:ea typeface="+mn-ea"/>
+                <a:cs typeface="+mn-cs"/>
+              </a:rPr>
+              <a:t>}</a:t>
+            </a:r>
+          </a:p>
+          <a:p>
+            <a:endParaRPr lang="en-US" sz="1200" kern="1200" dirty="0" smtClean="0">
+              <a:solidFill>
+                <a:schemeClr val="tx1"/>
+              </a:solidFill>
+              <a:latin typeface="+mn-lt"/>
+              <a:ea typeface="+mn-ea"/>
+              <a:cs typeface="+mn-cs"/>
+            </a:endParaRPr>
+          </a:p>
+          <a:p>
+            <a:r>
+              <a:rPr lang="en-US" sz="1200" kern="1200" dirty="0" err="1" smtClean="0">
+                <a:solidFill>
+                  <a:schemeClr val="tx1"/>
+                </a:solidFill>
+                <a:latin typeface="+mn-lt"/>
+                <a:ea typeface="+mn-ea"/>
+                <a:cs typeface="+mn-cs"/>
+              </a:rPr>
+              <a:t>EmployeeReporter</a:t>
+            </a:r>
+            <a:r>
+              <a:rPr lang="en-US" sz="1200" kern="1200" baseline="0" dirty="0" smtClean="0">
+                <a:solidFill>
+                  <a:schemeClr val="tx1"/>
+                </a:solidFill>
+                <a:latin typeface="+mn-lt"/>
+                <a:ea typeface="+mn-ea"/>
+                <a:cs typeface="+mn-cs"/>
+              </a:rPr>
+              <a:t> Service:</a:t>
+            </a:r>
+            <a:endParaRPr lang="en-US" sz="1200" kern="1200" dirty="0" smtClean="0">
+              <a:solidFill>
+                <a:schemeClr val="tx1"/>
+              </a:solidFill>
+              <a:latin typeface="+mn-lt"/>
+              <a:ea typeface="+mn-ea"/>
+              <a:cs typeface="+mn-cs"/>
+            </a:endParaRPr>
+          </a:p>
+          <a:p>
+            <a:r>
+              <a:rPr lang="en-US" sz="1200" kern="1200" dirty="0" smtClean="0">
+                <a:solidFill>
+                  <a:schemeClr val="tx1"/>
+                </a:solidFill>
+                <a:latin typeface="+mn-lt"/>
+                <a:ea typeface="+mn-ea"/>
+                <a:cs typeface="+mn-cs"/>
+              </a:rPr>
+              <a:t>public class </a:t>
+            </a:r>
+            <a:r>
+              <a:rPr lang="en-US" sz="1200" kern="1200" dirty="0" err="1" smtClean="0">
+                <a:solidFill>
+                  <a:schemeClr val="tx1"/>
+                </a:solidFill>
+                <a:latin typeface="+mn-lt"/>
+                <a:ea typeface="+mn-ea"/>
+                <a:cs typeface="+mn-cs"/>
+              </a:rPr>
+              <a:t>EmployeeReporter</a:t>
+            </a:r>
+            <a:r>
+              <a:rPr lang="en-US" sz="1200" kern="1200" dirty="0" smtClean="0">
+                <a:solidFill>
+                  <a:schemeClr val="tx1"/>
+                </a:solidFill>
+                <a:latin typeface="+mn-lt"/>
+                <a:ea typeface="+mn-ea"/>
+                <a:cs typeface="+mn-cs"/>
+              </a:rPr>
+              <a:t> {</a:t>
+            </a:r>
+          </a:p>
+          <a:p>
+            <a:r>
+              <a:rPr lang="en-US" sz="1200" kern="1200" dirty="0" smtClean="0">
+                <a:solidFill>
+                  <a:schemeClr val="tx1"/>
+                </a:solidFill>
+                <a:latin typeface="+mn-lt"/>
+                <a:ea typeface="+mn-ea"/>
+                <a:cs typeface="+mn-cs"/>
+              </a:rPr>
+              <a:t>  public String </a:t>
+            </a:r>
+            <a:r>
+              <a:rPr lang="en-US" sz="1200" kern="1200" dirty="0" err="1" smtClean="0">
+                <a:solidFill>
+                  <a:schemeClr val="tx1"/>
+                </a:solidFill>
+                <a:latin typeface="+mn-lt"/>
+                <a:ea typeface="+mn-ea"/>
+                <a:cs typeface="+mn-cs"/>
+              </a:rPr>
+              <a:t>reportHours</a:t>
+            </a:r>
+            <a:r>
+              <a:rPr lang="en-US" sz="1200" kern="1200" dirty="0" smtClean="0">
+                <a:solidFill>
+                  <a:schemeClr val="tx1"/>
+                </a:solidFill>
+                <a:latin typeface="+mn-lt"/>
+                <a:ea typeface="+mn-ea"/>
+                <a:cs typeface="+mn-cs"/>
+              </a:rPr>
+              <a:t>(Employee e) ...</a:t>
+            </a:r>
+          </a:p>
+          <a:p>
+            <a:r>
+              <a:rPr lang="en-US" sz="1200" kern="1200" dirty="0" smtClean="0">
+                <a:solidFill>
+                  <a:schemeClr val="tx1"/>
+                </a:solidFill>
+                <a:latin typeface="+mn-lt"/>
+                <a:ea typeface="+mn-ea"/>
+                <a:cs typeface="+mn-cs"/>
+              </a:rPr>
+              <a:t>}</a:t>
+            </a:r>
+          </a:p>
+          <a:p>
+            <a:endParaRPr lang="en-US" sz="1200" kern="1200" dirty="0" smtClean="0">
+              <a:solidFill>
+                <a:schemeClr val="tx1"/>
+              </a:solidFill>
+              <a:latin typeface="+mn-lt"/>
+              <a:ea typeface="+mn-ea"/>
+              <a:cs typeface="+mn-cs"/>
+            </a:endParaRPr>
+          </a:p>
+          <a:p>
+            <a:r>
+              <a:rPr lang="en-US" sz="1200" kern="1200" dirty="0" err="1" smtClean="0">
+                <a:solidFill>
+                  <a:schemeClr val="tx1"/>
+                </a:solidFill>
+                <a:latin typeface="+mn-lt"/>
+                <a:ea typeface="+mn-ea"/>
+                <a:cs typeface="+mn-cs"/>
+              </a:rPr>
+              <a:t>Employee</a:t>
+            </a:r>
+            <a:r>
+              <a:rPr lang="en-US" sz="1200" kern="1200" baseline="0" dirty="0" err="1" smtClean="0">
+                <a:solidFill>
+                  <a:schemeClr val="tx1"/>
+                </a:solidFill>
+                <a:latin typeface="+mn-lt"/>
+                <a:ea typeface="+mn-ea"/>
+                <a:cs typeface="+mn-cs"/>
+              </a:rPr>
+              <a:t>Data</a:t>
+            </a:r>
+            <a:r>
+              <a:rPr lang="en-US" sz="1200" kern="1200" baseline="0" dirty="0" smtClean="0">
+                <a:solidFill>
+                  <a:schemeClr val="tx1"/>
+                </a:solidFill>
+                <a:latin typeface="+mn-lt"/>
+                <a:ea typeface="+mn-ea"/>
+                <a:cs typeface="+mn-cs"/>
+              </a:rPr>
+              <a:t> Service:</a:t>
+            </a:r>
+            <a:endParaRPr lang="en-US" sz="1200" kern="1200" dirty="0" smtClean="0">
+              <a:solidFill>
+                <a:schemeClr val="tx1"/>
+              </a:solidFill>
+              <a:latin typeface="+mn-lt"/>
+              <a:ea typeface="+mn-ea"/>
+              <a:cs typeface="+mn-cs"/>
+            </a:endParaRPr>
+          </a:p>
+          <a:p>
+            <a:r>
+              <a:rPr lang="en-US" sz="1200" kern="1200" dirty="0" smtClean="0">
+                <a:solidFill>
+                  <a:schemeClr val="tx1"/>
+                </a:solidFill>
+                <a:latin typeface="+mn-lt"/>
+                <a:ea typeface="+mn-ea"/>
+                <a:cs typeface="+mn-cs"/>
+              </a:rPr>
+              <a:t>public class </a:t>
+            </a:r>
+            <a:r>
+              <a:rPr lang="en-US" sz="1200" kern="1200" dirty="0" err="1" smtClean="0">
+                <a:solidFill>
+                  <a:schemeClr val="tx1"/>
+                </a:solidFill>
+                <a:latin typeface="+mn-lt"/>
+                <a:ea typeface="+mn-ea"/>
+                <a:cs typeface="+mn-cs"/>
+              </a:rPr>
+              <a:t>EmployeeRepository</a:t>
+            </a:r>
+            <a:r>
+              <a:rPr lang="en-US" sz="1200" kern="1200" dirty="0" smtClean="0">
+                <a:solidFill>
+                  <a:schemeClr val="tx1"/>
+                </a:solidFill>
+                <a:latin typeface="+mn-lt"/>
+                <a:ea typeface="+mn-ea"/>
+                <a:cs typeface="+mn-cs"/>
+              </a:rPr>
+              <a:t> {</a:t>
+            </a:r>
+          </a:p>
+          <a:p>
+            <a:r>
+              <a:rPr lang="en-US" sz="1200" kern="1200" dirty="0" smtClean="0">
+                <a:solidFill>
+                  <a:schemeClr val="tx1"/>
+                </a:solidFill>
+                <a:latin typeface="+mn-lt"/>
+                <a:ea typeface="+mn-ea"/>
+                <a:cs typeface="+mn-cs"/>
+              </a:rPr>
+              <a:t>  public void save(Employee e) ...</a:t>
+            </a:r>
+          </a:p>
+          <a:p>
+            <a:r>
+              <a:rPr lang="en-US" sz="1200" kern="1200" dirty="0" smtClean="0">
+                <a:solidFill>
+                  <a:schemeClr val="tx1"/>
+                </a:solidFill>
+                <a:latin typeface="+mn-lt"/>
+                <a:ea typeface="+mn-ea"/>
+                <a:cs typeface="+mn-cs"/>
+              </a:rPr>
+              <a:t>}</a:t>
+            </a:r>
             <a:endParaRPr lang="en-US" dirty="0"/>
           </a:p>
         </p:txBody>
@@ -616,7 +992,7 @@
           <a:p>
             <a:fld id="{4A9D8C0A-C076-214D-A2D0-732BBC5FCAE2}" type="slidenum">
               <a:rPr lang="en-US" smtClean="0"/>
-              <a:t>3</a:t>
+              <a:t>5</a:t>
             </a:fld>
             <a:endParaRPr lang="en-US"/>
           </a:p>
@@ -625,7 +1001,7 @@
     </p:spTree>
     <p:extLst>
       <p:ext uri="{BB962C8B-B14F-4D97-AF65-F5344CB8AC3E}">
-        <p14:creationId xmlns:p14="http://schemas.microsoft.com/office/powerpoint/2010/main" val="4283456988"/>
+        <p14:creationId xmlns:p14="http://schemas.microsoft.com/office/powerpoint/2010/main" val="873446519"/>
       </p:ext>
     </p:extLst>
   </p:cSld>
@@ -697,6 +1073,10 @@
               <a:defRPr/>
             </a:pPr>
             <a:r>
+              <a:rPr lang="en-US" dirty="0" smtClean="0"/>
+              <a:t>Definition of ‘cloud’ includes </a:t>
+            </a:r>
+            <a:r>
               <a:rPr lang="en-US" sz="1200" kern="1200" dirty="0" smtClean="0">
                 <a:solidFill>
                   <a:schemeClr val="tx1"/>
@@ -706,10 +1086,10 @@
                 <a:ea typeface="+mn-ea"/>
                 <a:cs typeface="+mn-cs"/>
               </a:rPr>
-              <a:t>At</a:t>
-            </a:r>
-            <a:r>
-              <a:rPr lang="en-US" sz="1200" kern="1200" baseline="0" dirty="0" smtClean="0">
+              <a:t>both public cloud infrastructure (such as Amazon Web Services, Google Cloud, or Microsoft Azure) and private cloud infrastructure (such as VMware </a:t>
+            </a:r>
+            <a:r>
+              <a:rPr lang="en-US" sz="1200" kern="1200" dirty="0" err="1" smtClean="0">
                 <a:solidFill>
                   <a:schemeClr val="tx1"/>
                 </a:solidFill>
@@ -718,7 +1098,7 @@
                 <a:ea typeface="+mn-ea"/>
                 <a:cs typeface="+mn-cs"/>
               </a:rPr>
-              <a:t> Fannie Mae</a:t>
+              <a:t>vSphere</a:t>
             </a:r>
             <a:r>
               <a:rPr lang="en-US" sz="1200" kern="1200" dirty="0" smtClean="0">
@@ -730,55 +1110,20 @@
                 <a:ea typeface="+mn-ea"/>
                 <a:cs typeface="+mn-cs"/>
               </a:rPr>
-              <a:t>, the time it takes to provision new application environments and deploy new versions of software is typically measured in weeks, or months. This lack of speed severely limits the risk that can be taken on by any one release, because the cost of making and fixing a mistake is also measured on that same timescale.</a:t>
-            </a:r>
-          </a:p>
-          <a:p>
-            <a:pPr marL="0" marR="0" indent="0" algn="l" defTabSz="457200" rtl="0" eaLnBrk="1" fontAlgn="auto" latinLnBrk="0" hangingPunct="1">
-              <a:lnSpc>
-                <a:spcPct val="100000"/>
-              </a:lnSpc>
-              <a:spcBef>
-                <a:spcPts val="0"/>
-              </a:spcBef>
-              <a:spcAft>
-                <a:spcPts val="0"/>
-              </a:spcAft>
-              <a:buClrTx/>
-              <a:buSzTx/>
-              <a:buFontTx/>
-              <a:buNone/>
-              <a:tabLst/>
-              <a:defRPr/>
-            </a:pPr>
-            <a:endParaRPr lang="en-US" sz="1200" kern="1200" dirty="0" smtClean="0">
-              <a:solidFill>
-                <a:schemeClr val="tx1"/>
-              </a:solidFill>
-              <a:effectLst/>
-              <a:latin typeface="+mn-lt"/>
-              <a:ea typeface="+mn-ea"/>
-              <a:cs typeface="+mn-cs"/>
-            </a:endParaRPr>
-          </a:p>
-          <a:p>
-            <a:pPr marL="0" marR="0" indent="0" algn="l" defTabSz="457200" rtl="0" eaLnBrk="1" fontAlgn="auto" latinLnBrk="0" hangingPunct="1">
-              <a:lnSpc>
-                <a:spcPct val="100000"/>
-              </a:lnSpc>
-              <a:spcBef>
-                <a:spcPts val="0"/>
-              </a:spcBef>
-              <a:spcAft>
-                <a:spcPts val="0"/>
-              </a:spcAft>
-              <a:buClrTx/>
-              <a:buSzTx/>
-              <a:buFontTx/>
-              <a:buNone/>
-              <a:tabLst/>
-              <a:defRPr/>
-            </a:pPr>
+              <a:t> or </a:t>
+            </a:r>
+            <a:r>
+              <a:rPr lang="en-US" sz="1200" kern="1200" dirty="0" err="1" smtClean="0">
+                <a:solidFill>
+                  <a:schemeClr val="tx1"/>
+                </a:solidFill>
+                <a:effectLst/>
+                <a:latin typeface="+mn-lt"/>
+                <a:ea typeface="+mn-ea"/>
+                <a:cs typeface="+mn-cs"/>
+              </a:rPr>
+              <a:t>OpenStack</a:t>
+            </a:r>
             <a:r>
               <a:rPr lang="en-US" sz="1200" kern="1200" dirty="0" smtClean="0">
                 <a:solidFill>
@@ -789,41 +1134,11 @@
                 <a:ea typeface="+mn-ea"/>
                 <a:cs typeface="+mn-cs"/>
               </a:rPr>
-              <a:t>The elasticity and self-service nature of cloud-based infrastructure naturally lends itself to speed. Provisioning a new application environment by making a call to a cloud service API is faster than a form-based manual process by several orders of magnitude. Deploying code to that new environment via another API call adds more speed. Adding self-service and hooks to teams’ continuous integration/build server environments adds even more speed. </a:t>
-            </a:r>
-            <a:endParaRPr lang="en-US" dirty="0" smtClean="0"/>
-          </a:p>
-          <a:p>
-            <a:pPr marL="0" marR="0" indent="0" algn="l" defTabSz="457200" rtl="0" eaLnBrk="1" fontAlgn="auto" latinLnBrk="0" hangingPunct="1">
-              <a:lnSpc>
-                <a:spcPct val="100000"/>
-              </a:lnSpc>
-              <a:spcBef>
-                <a:spcPts val="0"/>
-              </a:spcBef>
-              <a:spcAft>
-                <a:spcPts val="0"/>
-              </a:spcAft>
-              <a:buClrTx/>
-              <a:buSzTx/>
-              <a:buFontTx/>
-              <a:buNone/>
-              <a:tabLst/>
-              <a:defRPr/>
-            </a:pPr>
-            <a:r>
-              <a:rPr lang="en-US" sz="1200" kern="1200" dirty="0" smtClean="0">
-                <a:solidFill>
-                  <a:schemeClr val="tx1"/>
-                </a:solidFill>
-                <a:effectLst/>
-                <a:latin typeface="+mn-lt"/>
-                <a:ea typeface="+mn-ea"/>
-                <a:cs typeface="+mn-cs"/>
-              </a:rPr>
-              <a:t> </a:t>
-            </a:r>
-            <a:endParaRPr lang="en-US" dirty="0" smtClean="0"/>
+              <a:t>). </a:t>
+            </a:r>
+            <a:endParaRPr lang="en-US" dirty="0" smtClean="0">
+              <a:effectLst/>
+            </a:endParaRPr>
           </a:p>
           <a:p>
             <a:endParaRPr lang="en-US" dirty="0"/>
@@ -847,7 +1162,7 @@
           <a:p>
             <a:fld id="{4A9D8C0A-C076-214D-A2D0-732BBC5FCAE2}" type="slidenum">
               <a:rPr lang="en-US" smtClean="0"/>
-              <a:t>4</a:t>
+              <a:t>8</a:t>
             </a:fld>
             <a:endParaRPr lang="en-US"/>
           </a:p>
@@ -856,7 +1171,7 @@
     </p:spTree>
     <p:extLst>
       <p:ext uri="{BB962C8B-B14F-4D97-AF65-F5344CB8AC3E}">
-        <p14:creationId xmlns:p14="http://schemas.microsoft.com/office/powerpoint/2010/main" val="3463654764"/>
+        <p14:creationId xmlns:p14="http://schemas.microsoft.com/office/powerpoint/2010/main" val="4283456988"/>
       </p:ext>
     </p:extLst>
   </p:cSld>
@@ -928,17 +1243,41 @@
               <a:defRPr/>
             </a:pPr>
             <a:r>
-              <a:rPr lang="en-US" dirty="0" smtClean="0"/>
-              <a:t>Mistake prevention has unintentionally led to dig design up front, exhaustive documentation, architectural review boards, and lengthy regression testing cycles - which all fly in the face of the speed that we’re seeking. So,</a:t>
-            </a:r>
-            <a:r>
-              <a:rPr lang="en-US" baseline="0" dirty="0" smtClean="0"/>
-              <a:t> how to go fast and yet be safe?</a:t>
-            </a:r>
-            <a:endParaRPr lang="en-US" dirty="0" smtClean="0"/>
-          </a:p>
-          <a:p>
-            <a:endParaRPr lang="en-US" dirty="0" smtClean="0"/>
+              <a:rPr lang="en-US" sz="1200" kern="1200" dirty="0" smtClean="0">
+                <a:solidFill>
+                  <a:schemeClr val="tx1"/>
+                </a:solidFill>
+                <a:effectLst/>
+                <a:latin typeface="+mn-lt"/>
+                <a:ea typeface="+mn-ea"/>
+                <a:cs typeface="+mn-cs"/>
+              </a:rPr>
+              <a:t>At</a:t>
+            </a:r>
+            <a:r>
+              <a:rPr lang="en-US" sz="1200" kern="1200" baseline="0" dirty="0" smtClean="0">
+                <a:solidFill>
+                  <a:schemeClr val="tx1"/>
+                </a:solidFill>
+                <a:effectLst/>
+                <a:latin typeface="+mn-lt"/>
+                <a:ea typeface="+mn-ea"/>
+                <a:cs typeface="+mn-cs"/>
+              </a:rPr>
+              <a:t> Fannie Mae</a:t>
+            </a:r>
+            <a:r>
+              <a:rPr lang="en-US" sz="1200" kern="1200" dirty="0" smtClean="0">
+                <a:solidFill>
+                  <a:schemeClr val="tx1"/>
+                </a:solidFill>
+                <a:effectLst/>
+                <a:latin typeface="+mn-lt"/>
+                <a:ea typeface="+mn-ea"/>
+                <a:cs typeface="+mn-cs"/>
+              </a:rPr>
+              <a:t>, the time it takes to provision new application environments and deploy new versions of software is typically measured in weeks, or months. This lack of speed severely limits the risk that can be taken on by any one release, because the cost of making and fixing a mistake is also measured on that same timescale.</a:t>
+            </a:r>
           </a:p>
           <a:p>
             <a:pPr marL="0" marR="0" indent="0" algn="l" defTabSz="457200" rtl="0" eaLnBrk="1" fontAlgn="auto" latinLnBrk="0" hangingPunct="1">
@@ -958,14 +1297,34 @@
               <a:tabLst/>
               <a:defRPr/>
             </a:pPr>
-            <a:r>
-              <a:rPr lang="en-US" dirty="0" smtClean="0"/>
-              <a:t>Visibility -</a:t>
-            </a:r>
-            <a:r>
-              <a:rPr lang="en-US" baseline="0" dirty="0" smtClean="0"/>
-              <a:t> </a:t>
-            </a:r>
+            <a:endParaRPr lang="en-US" sz="1200" kern="1200" dirty="0" smtClean="0">
+              <a:solidFill>
+                <a:schemeClr val="tx1"/>
+              </a:solidFill>
+              <a:effectLst/>
+              <a:latin typeface="+mn-lt"/>
+              <a:ea typeface="+mn-ea"/>
+              <a:cs typeface="+mn-cs"/>
+            </a:endParaRPr>
+          </a:p>
+          <a:p>
+            <a:pPr marL="0" marR="0" indent="0" algn="l" defTabSz="457200" rtl="0" eaLnBrk="1" fontAlgn="auto" latinLnBrk="0" hangingPunct="1">
+              <a:lnSpc>
+                <a:spcPct val="100000"/>
+              </a:lnSpc>
+              <a:spcBef>
+                <a:spcPts val="0"/>
+              </a:spcBef>
+              <a:spcAft>
+                <a:spcPts val="0"/>
+              </a:spcAft>
+              <a:buClrTx/>
+              <a:buSzTx/>
+              <a:buFontTx/>
+              <a:buNone/>
+              <a:tabLst/>
+              <a:defRPr/>
+            </a:pPr>
             <a:r>
               <a:rPr lang="en-US" sz="1200" kern="1200" dirty="0" smtClean="0">
                 <a:solidFill>
@@ -976,11 +1335,43 @@
                 <a:ea typeface="+mn-ea"/>
                 <a:cs typeface="+mn-cs"/>
               </a:rPr>
-              <a:t>Feature-rich metrics, monitoring, alerting, and data visualization frameworks and tools are at the heart of all cloud- native application architectures. </a:t>
+              <a:t>The elasticity and self-service nature of cloud-based infrastructure naturally lends itself to speed. Provisioning a new application environment by making a call to a cloud service API is faster than a form-based manual process by several orders of magnitude. Deploying code to that new environment via another API call adds more speed. Adding self-service and hooks to teams’ continuous integration/build server environments adds even more speed. </a:t>
             </a:r>
             <a:endParaRPr lang="en-US" dirty="0" smtClean="0"/>
           </a:p>
           <a:p>
+            <a:pPr marL="0" marR="0" indent="0" algn="l" defTabSz="457200" rtl="0" eaLnBrk="1" fontAlgn="auto" latinLnBrk="0" hangingPunct="1">
+              <a:lnSpc>
+                <a:spcPct val="100000"/>
+              </a:lnSpc>
+              <a:spcBef>
+                <a:spcPts val="0"/>
+              </a:spcBef>
+              <a:spcAft>
+                <a:spcPts val="0"/>
+              </a:spcAft>
+              <a:buClrTx/>
+              <a:buSzTx/>
+              <a:buFontTx/>
+              <a:buNone/>
+              <a:tabLst/>
+              <a:defRPr/>
+            </a:pPr>
+            <a:r>
+              <a:rPr lang="en-US" sz="1200" kern="1200" dirty="0" smtClean="0">
+                <a:solidFill>
+                  <a:schemeClr val="tx1"/>
+                </a:solidFill>
+                <a:effectLst/>
+                <a:latin typeface="+mn-lt"/>
+                <a:ea typeface="+mn-ea"/>
+                <a:cs typeface="+mn-cs"/>
+              </a:rPr>
+              <a:t> </a:t>
+            </a:r>
+            <a:endParaRPr lang="en-US" dirty="0" smtClean="0"/>
+          </a:p>
+          <a:p>
             <a:endParaRPr lang="en-US" dirty="0"/>
           </a:p>
         </p:txBody>
@@ -1002,7 +1393,7 @@
           <a:p>
             <a:fld id="{4A9D8C0A-C076-214D-A2D0-732BBC5FCAE2}" type="slidenum">
               <a:rPr lang="en-US" smtClean="0"/>
-              <a:t>5</a:t>
+              <a:t>9</a:t>
             </a:fld>
             <a:endParaRPr lang="en-US"/>
           </a:p>
@@ -1011,7 +1402,7 @@
     </p:spTree>
     <p:extLst>
       <p:ext uri="{BB962C8B-B14F-4D97-AF65-F5344CB8AC3E}">
-        <p14:creationId xmlns:p14="http://schemas.microsoft.com/office/powerpoint/2010/main" val="3847265614"/>
+        <p14:creationId xmlns:p14="http://schemas.microsoft.com/office/powerpoint/2010/main" val="3463654764"/>
       </p:ext>
     </p:extLst>
   </p:cSld>
@@ -1065,6 +1456,77 @@
           <a:bodyPr/>
           <a:lstStyle/>
           <a:p>
+            <a:pPr marL="0" marR="0" indent="0" algn="l" defTabSz="457200" rtl="0" eaLnBrk="1" fontAlgn="auto" latinLnBrk="0" hangingPunct="1">
+              <a:lnSpc>
+                <a:spcPct val="100000"/>
+              </a:lnSpc>
+              <a:spcBef>
+                <a:spcPts val="0"/>
+              </a:spcBef>
+              <a:spcAft>
+                <a:spcPts val="0"/>
+              </a:spcAft>
+              <a:buClrTx/>
+              <a:buSzTx/>
+              <a:buFontTx/>
+              <a:buNone/>
+              <a:tabLst/>
+              <a:defRPr/>
+            </a:pPr>
+            <a:r>
+              <a:rPr lang="en-US" dirty="0" smtClean="0"/>
+              <a:t>Mistake prevention has unintentionally led to dig design up front, exhaustive documentation, architectural review boards, and lengthy regression testing cycles - which all fly in the face of the speed that we’re seeking. So,</a:t>
+            </a:r>
+            <a:r>
+              <a:rPr lang="en-US" baseline="0" dirty="0" smtClean="0"/>
+              <a:t> how to go fast and yet be safe?</a:t>
+            </a:r>
+            <a:endParaRPr lang="en-US" dirty="0" smtClean="0"/>
+          </a:p>
+          <a:p>
+            <a:endParaRPr lang="en-US" dirty="0" smtClean="0"/>
+          </a:p>
+          <a:p>
+            <a:pPr marL="0" marR="0" indent="0" algn="l" defTabSz="457200" rtl="0" eaLnBrk="1" fontAlgn="auto" latinLnBrk="0" hangingPunct="1">
+              <a:lnSpc>
+                <a:spcPct val="100000"/>
+              </a:lnSpc>
+              <a:spcBef>
+                <a:spcPts val="0"/>
+              </a:spcBef>
+              <a:spcAft>
+                <a:spcPts val="0"/>
+              </a:spcAft>
+              <a:buClrTx/>
+              <a:buSzTx/>
+              <a:buFontTx/>
+              <a:buNone/>
+              <a:tabLst/>
+              <a:defRPr/>
+            </a:pPr>
+            <a:r>
+              <a:rPr lang="en-US" dirty="0" smtClean="0"/>
+              <a:t>Visibility -</a:t>
+            </a:r>
+            <a:r>
+              <a:rPr lang="en-US" baseline="0" dirty="0" smtClean="0"/>
+              <a:t> </a:t>
+            </a:r>
+            <a:r>
+              <a:rPr lang="en-US" sz="1200" kern="1200" dirty="0" smtClean="0">
+                <a:solidFill>
+                  <a:schemeClr val="tx1"/>
+                </a:solidFill>
+                <a:effectLst/>
+                <a:latin typeface="+mn-lt"/>
+                <a:ea typeface="+mn-ea"/>
+                <a:cs typeface="+mn-cs"/>
+              </a:rPr>
+              <a:t>Feature-rich metrics, monitoring, alerting, and data visualization frameworks and tools are at the heart of all cloud- native application architectures. </a:t>
+            </a:r>
+            <a:endParaRPr lang="en-US" dirty="0" smtClean="0"/>
+          </a:p>
+          <a:p>
             <a:endParaRPr lang="en-US" dirty="0"/>
           </a:p>
         </p:txBody>
@@ -1086,7 +1548,91 @@
           <a:p>
             <a:fld id="{4A9D8C0A-C076-214D-A2D0-732BBC5FCAE2}" type="slidenum">
               <a:rPr lang="en-US" smtClean="0"/>
-              <a:t>6</a:t>
+              <a:t>10</a:t>
+            </a:fld>
+            <a:endParaRPr lang="en-US"/>
+          </a:p>
+        </p:txBody>
+      </p:sp>
+    </p:spTree>
+    <p:extLst>
+      <p:ext uri="{BB962C8B-B14F-4D97-AF65-F5344CB8AC3E}">
+        <p14:creationId xmlns:p14="http://schemas.microsoft.com/office/powerpoint/2010/main" val="3847265614"/>
+      </p:ext>
+    </p:extLst>
+  </p:cSld>
+  <p:clrMapOvr>
+    <a:masterClrMapping/>
+  </p:clrMapOvr>
+</p:notes>
+</file>
+
+<file path=ppt/notesSlides/notesSlide5.xml><?xml version="1.0" encoding="utf-8"?>
+<p:notes xmlns:a="http://schemas.openxmlformats.org/drawingml/2006/main" xmlns:r="http://schemas.openxmlformats.org/officeDocument/2006/relationships" xmlns:p="http://schemas.openxmlformats.org/presentationml/2006/main">
+  <p:cSld>
+    <p:spTree>
+      <p:nvGrpSpPr>
+        <p:cNvPr id="1" name=""/>
+        <p:cNvGrpSpPr/>
+        <p:nvPr/>
+      </p:nvGrpSpPr>
+      <p:grpSpPr>
+        <a:xfrm>
+          <a:off x="0" y="0"/>
+          <a:ext cx="0" cy="0"/>
+          <a:chOff x="0" y="0"/>
+          <a:chExt cx="0" cy="0"/>
+        </a:xfrm>
+      </p:grpSpPr>
+      <p:sp>
+        <p:nvSpPr>
+          <p:cNvPr id="2" name="Slide Image Placeholder 1"/>
+          <p:cNvSpPr>
+            <a:spLocks noGrp="1" noRot="1" noChangeAspect="1"/>
+          </p:cNvSpPr>
+          <p:nvPr>
+            <p:ph type="sldImg"/>
+          </p:nvPr>
+        </p:nvSpPr>
+        <p:spPr/>
+      </p:sp>
+      <p:sp>
+        <p:nvSpPr>
+          <p:cNvPr id="3" name="Notes Placeholder 2"/>
+          <p:cNvSpPr>
+            <a:spLocks noGrp="1"/>
+          </p:cNvSpPr>
+          <p:nvPr>
+            <p:ph type="body" idx="1"/>
+          </p:nvPr>
+        </p:nvSpPr>
+        <p:spPr/>
+        <p:txBody>
+          <a:bodyPr/>
+          <a:lstStyle/>
+          <a:p>
+            <a:endParaRPr lang="en-US" dirty="0"/>
+          </a:p>
+        </p:txBody>
+      </p:sp>
+      <p:sp>
+        <p:nvSpPr>
+          <p:cNvPr id="4" name="Slide Number Placeholder 3"/>
+          <p:cNvSpPr>
+            <a:spLocks noGrp="1"/>
+          </p:cNvSpPr>
+          <p:nvPr>
+            <p:ph type="sldNum" sz="quarter" idx="10"/>
+          </p:nvPr>
+        </p:nvSpPr>
+        <p:spPr/>
+        <p:txBody>
+          <a:bodyPr/>
+          <a:lstStyle/>
+          <a:p>
+            <a:fld id="{4A9D8C0A-C076-214D-A2D0-732BBC5FCAE2}" type="slidenum">
+              <a:rPr lang="en-US" smtClean="0"/>
+              <a:t>11</a:t>
             </a:fld>
             <a:endParaRPr lang="en-US"/>
           </a:p>
@@ -4168,6 +4714,237 @@
 </p:sld>
 </file>
 
+<file path=ppt/slides/slide10.xml><?xml version="1.0" encoding="utf-8"?>
+<p:sld xmlns:a="http://schemas.openxmlformats.org/drawingml/2006/main" xmlns:r="http://schemas.openxmlformats.org/officeDocument/2006/relationships" xmlns:p="http://schemas.openxmlformats.org/presentationml/2006/main">
+  <p:cSld>
+    <p:spTree>
+      <p:nvGrpSpPr>
+        <p:cNvPr id="1" name=""/>
+        <p:cNvGrpSpPr/>
+        <p:nvPr/>
+      </p:nvGrpSpPr>
+      <p:grpSpPr>
+        <a:xfrm>
+          <a:off x="0" y="0"/>
+          <a:ext cx="0" cy="0"/>
+          <a:chOff x="0" y="0"/>
+          <a:chExt cx="0" cy="0"/>
+        </a:xfrm>
+      </p:grpSpPr>
+      <p:sp>
+        <p:nvSpPr>
+          <p:cNvPr id="2" name="Title 1"/>
+          <p:cNvSpPr>
+            <a:spLocks noGrp="1"/>
+          </p:cNvSpPr>
+          <p:nvPr>
+            <p:ph type="title"/>
+          </p:nvPr>
+        </p:nvSpPr>
+        <p:spPr/>
+        <p:txBody>
+          <a:bodyPr/>
+          <a:lstStyle/>
+          <a:p>
+            <a:r>
+              <a:rPr lang="en-US" dirty="0" smtClean="0"/>
+              <a:t>Safety</a:t>
+            </a:r>
+            <a:endParaRPr lang="en-US" dirty="0"/>
+          </a:p>
+        </p:txBody>
+      </p:sp>
+      <p:sp>
+        <p:nvSpPr>
+          <p:cNvPr id="3" name="Content Placeholder 2"/>
+          <p:cNvSpPr>
+            <a:spLocks noGrp="1"/>
+          </p:cNvSpPr>
+          <p:nvPr>
+            <p:ph idx="1"/>
+          </p:nvPr>
+        </p:nvSpPr>
+        <p:spPr/>
+        <p:txBody>
+          <a:bodyPr>
+            <a:normAutofit fontScale="92500" lnSpcReduction="20000"/>
+          </a:bodyPr>
+          <a:lstStyle/>
+          <a:p>
+            <a:r>
+              <a:rPr lang="en-US" dirty="0" smtClean="0"/>
+              <a:t>How to go fast and yet be safe?</a:t>
+            </a:r>
+          </a:p>
+          <a:p>
+            <a:r>
+              <a:rPr lang="en-US" dirty="0" smtClean="0"/>
+              <a:t>Visibility – Architect applications with tools necessary to see failure when it happens.</a:t>
+            </a:r>
+          </a:p>
+          <a:p>
+            <a:r>
+              <a:rPr lang="en-US" dirty="0" smtClean="0"/>
+              <a:t>Fault Isolation - Limit </a:t>
+            </a:r>
+            <a:r>
+              <a:rPr lang="en-US" dirty="0"/>
+              <a:t>the scope of components or features that could be affected by a </a:t>
+            </a:r>
+            <a:r>
+              <a:rPr lang="en-US" dirty="0" smtClean="0"/>
+              <a:t>failure. Think Microservices.</a:t>
+            </a:r>
+          </a:p>
+          <a:p>
+            <a:r>
+              <a:rPr lang="en-US" dirty="0" smtClean="0"/>
+              <a:t> Fault Tolerance – Introduce circuit breaker patterns to prevent cascading failures between faulty components and rest of the system.</a:t>
+            </a:r>
+          </a:p>
+          <a:p>
+            <a:r>
+              <a:rPr lang="en-US" dirty="0" smtClean="0"/>
+              <a:t>Automated Recovery – Automate recovery based on health checks.</a:t>
+            </a:r>
+          </a:p>
+          <a:p>
+            <a:endParaRPr lang="en-US" dirty="0"/>
+          </a:p>
+        </p:txBody>
+      </p:sp>
+    </p:spTree>
+    <p:extLst>
+      <p:ext uri="{BB962C8B-B14F-4D97-AF65-F5344CB8AC3E}">
+        <p14:creationId xmlns:p14="http://schemas.microsoft.com/office/powerpoint/2010/main" val="2723419911"/>
+      </p:ext>
+    </p:extLst>
+  </p:cSld>
+  <p:clrMapOvr>
+    <a:masterClrMapping/>
+  </p:clrMapOvr>
+</p:sld>
+</file>
+
+<file path=ppt/slides/slide11.xml><?xml version="1.0" encoding="utf-8"?>
+<p:sld xmlns:a="http://schemas.openxmlformats.org/drawingml/2006/main" xmlns:r="http://schemas.openxmlformats.org/officeDocument/2006/relationships" xmlns:p="http://schemas.openxmlformats.org/presentationml/2006/main">
+  <p:cSld>
+    <p:spTree>
+      <p:nvGrpSpPr>
+        <p:cNvPr id="1" name=""/>
+        <p:cNvGrpSpPr/>
+        <p:nvPr/>
+      </p:nvGrpSpPr>
+      <p:grpSpPr>
+        <a:xfrm>
+          <a:off x="0" y="0"/>
+          <a:ext cx="0" cy="0"/>
+          <a:chOff x="0" y="0"/>
+          <a:chExt cx="0" cy="0"/>
+        </a:xfrm>
+      </p:grpSpPr>
+      <p:sp>
+        <p:nvSpPr>
+          <p:cNvPr id="2" name="Title 1"/>
+          <p:cNvSpPr>
+            <a:spLocks noGrp="1"/>
+          </p:cNvSpPr>
+          <p:nvPr>
+            <p:ph type="title"/>
+          </p:nvPr>
+        </p:nvSpPr>
+        <p:spPr/>
+        <p:txBody>
+          <a:bodyPr/>
+          <a:lstStyle/>
+          <a:p>
+            <a:r>
+              <a:rPr lang="en-US" dirty="0" smtClean="0"/>
+              <a:t>Scale</a:t>
+            </a:r>
+            <a:endParaRPr lang="en-US" dirty="0"/>
+          </a:p>
+        </p:txBody>
+      </p:sp>
+      <p:sp>
+        <p:nvSpPr>
+          <p:cNvPr id="3" name="Content Placeholder 2"/>
+          <p:cNvSpPr>
+            <a:spLocks noGrp="1"/>
+          </p:cNvSpPr>
+          <p:nvPr>
+            <p:ph idx="1"/>
+          </p:nvPr>
+        </p:nvSpPr>
+        <p:spPr/>
+        <p:txBody>
+          <a:bodyPr>
+            <a:normAutofit fontScale="77500" lnSpcReduction="20000"/>
+          </a:bodyPr>
+          <a:lstStyle/>
+          <a:p>
+            <a:r>
+              <a:rPr lang="en-US" dirty="0" smtClean="0"/>
+              <a:t>Are our applications built to scale horizontally as the demand increases?</a:t>
+            </a:r>
+          </a:p>
+          <a:p>
+            <a:r>
+              <a:rPr lang="en-US" dirty="0" smtClean="0"/>
+              <a:t>It is notoriously hard to get peak usage forecasting right. What is the solution?</a:t>
+            </a:r>
+          </a:p>
+          <a:p>
+            <a:r>
+              <a:rPr lang="en-US" dirty="0" smtClean="0"/>
+              <a:t>Delegate virtualization effort to the cloud provider and instead focus on architecting stateless applications.</a:t>
+            </a:r>
+          </a:p>
+          <a:p>
+            <a:r>
+              <a:rPr lang="en-US" dirty="0"/>
+              <a:t>Not only must we be able to create new application instances quickly; we must also be able to dispose of them quickly and safely. </a:t>
+            </a:r>
+            <a:endParaRPr lang="en-US" dirty="0" smtClean="0"/>
+          </a:p>
+          <a:p>
+            <a:r>
+              <a:rPr lang="en-US" dirty="0"/>
+              <a:t>Stateless applications can be quickly created and destroyed, as well as attached to and detached from external state </a:t>
+            </a:r>
+            <a:r>
+              <a:rPr lang="en-US" dirty="0" smtClean="0"/>
+              <a:t>managers (data caches), </a:t>
+            </a:r>
+            <a:r>
+              <a:rPr lang="en-US" dirty="0"/>
+              <a:t>enhancing our ability to respond to changes in demand. </a:t>
+            </a:r>
+            <a:endParaRPr lang="en-US" dirty="0" smtClean="0"/>
+          </a:p>
+          <a:p>
+            <a:endParaRPr lang="en-US" dirty="0" smtClean="0">
+              <a:effectLst/>
+            </a:endParaRPr>
+          </a:p>
+          <a:p>
+            <a:endParaRPr lang="en-US" dirty="0"/>
+          </a:p>
+        </p:txBody>
+      </p:sp>
+    </p:spTree>
+    <p:extLst>
+      <p:ext uri="{BB962C8B-B14F-4D97-AF65-F5344CB8AC3E}">
+        <p14:creationId xmlns:p14="http://schemas.microsoft.com/office/powerpoint/2010/main" val="3753279421"/>
+      </p:ext>
+    </p:extLst>
+  </p:cSld>
+  <p:clrMapOvr>
+    <a:masterClrMapping/>
+  </p:clrMapOvr>
+</p:sld>
+</file>
+
 <file path=ppt/slides/slide2.xml><?xml version="1.0" encoding="utf-8"?>
 <p:sld xmlns:a="http://schemas.openxmlformats.org/drawingml/2006/main" xmlns:r="http://schemas.openxmlformats.org/officeDocument/2006/relationships" xmlns:p="http://schemas.openxmlformats.org/presentationml/2006/main">
   <p:cSld>
@@ -4229,9 +5006,12 @@
             </a:r>
             <a:r>
               <a:rPr lang="en-US" b="1" dirty="0" smtClean="0"/>
-              <a:t>Micro-services for Continuous Delivery</a:t>
-            </a:r>
-            <a:endParaRPr lang="en-US" b="1" dirty="0" smtClean="0"/>
+              <a:t>Micro</a:t>
+            </a:r>
+            <a:r>
+              <a:rPr lang="en-US" b="1" dirty="0" smtClean="0"/>
+              <a:t>-services for Continuous Delivery</a:t>
+            </a:r>
           </a:p>
           <a:p>
             <a:r>
@@ -4258,12 +5038,9 @@
             </a:r>
           </a:p>
           <a:p>
-            <a:r>
-              <a:rPr lang="en-US" b="1" dirty="0" smtClean="0"/>
-              <a:t>Technology radar</a:t>
-            </a:r>
-          </a:p>
-          <a:p>
+            <a:pPr marL="0" indent="0">
+              <a:buNone/>
+            </a:pPr>
             <a:endParaRPr lang="en-US" dirty="0" smtClean="0"/>
           </a:p>
         </p:txBody>
@@ -4305,132 +5082,26 @@
             <a:spLocks noGrp="1"/>
           </p:cNvSpPr>
           <p:nvPr>
-            <p:ph type="title"/>
-          </p:nvPr>
-        </p:nvSpPr>
-        <p:spPr/>
-        <p:txBody>
-          <a:bodyPr>
-            <a:normAutofit fontScale="90000"/>
-          </a:bodyPr>
+            <p:ph type="ctrTitle"/>
+          </p:nvPr>
+        </p:nvSpPr>
+        <p:spPr/>
+        <p:txBody>
+          <a:bodyPr/>
           <a:lstStyle/>
           <a:p>
             <a:r>
               <a:rPr lang="en-US" dirty="0" smtClean="0"/>
-              <a:t>Cloud-Native Applications for Delivering Speed &amp; Innovation Safely </a:t>
+              <a:t>Microservices</a:t>
             </a:r>
             <a:endParaRPr lang="en-US" dirty="0"/>
-          </a:p>
-        </p:txBody>
-      </p:sp>
-      <p:sp>
-        <p:nvSpPr>
-          <p:cNvPr id="3" name="Content Placeholder 2"/>
-          <p:cNvSpPr>
-            <a:spLocks noGrp="1"/>
-          </p:cNvSpPr>
-          <p:nvPr>
-            <p:ph idx="1"/>
-          </p:nvPr>
-        </p:nvSpPr>
-        <p:spPr/>
-        <p:txBody>
-          <a:bodyPr>
-            <a:normAutofit/>
-          </a:bodyPr>
-          <a:lstStyle/>
-          <a:p>
-            <a:r>
-              <a:rPr lang="en-US" sz="2400" dirty="0" smtClean="0"/>
-              <a:t>Cloud-native applications are at the center of how disruptive companies such as </a:t>
-            </a:r>
-            <a:r>
-              <a:rPr lang="en-US" sz="2400" dirty="0" err="1" smtClean="0"/>
-              <a:t>Uber</a:t>
-            </a:r>
-            <a:r>
-              <a:rPr lang="en-US" sz="2400" dirty="0" smtClean="0"/>
-              <a:t>, Netflix, Square and </a:t>
-            </a:r>
-            <a:r>
-              <a:rPr lang="en-US" sz="2400" dirty="0" err="1" smtClean="0"/>
-              <a:t>Airbnb</a:t>
-            </a:r>
-            <a:r>
-              <a:rPr lang="en-US" sz="2400" dirty="0" smtClean="0"/>
-              <a:t> are able to provide:</a:t>
-            </a:r>
-          </a:p>
-          <a:p>
-            <a:pPr lvl="1"/>
-            <a:r>
-              <a:rPr lang="en-US" sz="2000" dirty="0" smtClean="0"/>
-              <a:t>New innovation at light speed</a:t>
-            </a:r>
-          </a:p>
-          <a:p>
-            <a:pPr lvl="1"/>
-            <a:r>
-              <a:rPr lang="en-US" sz="2000" dirty="0" smtClean="0"/>
-              <a:t>Always available services</a:t>
-            </a:r>
-          </a:p>
-          <a:p>
-            <a:pPr lvl="1"/>
-            <a:r>
-              <a:rPr lang="en-US" sz="2000" dirty="0" smtClean="0"/>
-              <a:t>Web-scale applications</a:t>
-            </a:r>
-          </a:p>
-          <a:p>
-            <a:pPr lvl="1"/>
-            <a:r>
-              <a:rPr lang="en-US" sz="2000" dirty="0" smtClean="0"/>
-              <a:t>Device agnostic user experiences</a:t>
-            </a:r>
-          </a:p>
-          <a:p>
-            <a:r>
-              <a:rPr lang="en-US" sz="2400" dirty="0" smtClean="0"/>
-              <a:t>Cloud is any computing </a:t>
-            </a:r>
-            <a:r>
-              <a:rPr lang="en-US" sz="2400" dirty="0"/>
-              <a:t>environment in which computing</a:t>
-            </a:r>
-            <a:r>
-              <a:rPr lang="en-US" sz="2400" dirty="0" smtClean="0"/>
-              <a:t>, networking</a:t>
-            </a:r>
-            <a:r>
-              <a:rPr lang="en-US" sz="2400" dirty="0"/>
-              <a:t>, and storage resources can be provisioned and released </a:t>
-            </a:r>
-            <a:r>
-              <a:rPr lang="en-US" sz="2400" dirty="0" smtClean="0"/>
-              <a:t>elastically </a:t>
-            </a:r>
-            <a:r>
-              <a:rPr lang="en-US" sz="2400" dirty="0"/>
-              <a:t>in an on-demand, self-service </a:t>
-            </a:r>
-            <a:r>
-              <a:rPr lang="en-US" sz="2400" dirty="0" smtClean="0"/>
-              <a:t>manner. </a:t>
-            </a:r>
-            <a:endParaRPr lang="en-US" sz="2400" dirty="0" smtClean="0">
-              <a:effectLst/>
-            </a:endParaRPr>
-          </a:p>
-          <a:p>
-            <a:endParaRPr lang="en-US" sz="2400" dirty="0"/>
           </a:p>
         </p:txBody>
       </p:sp>
     </p:spTree>
     <p:extLst>
       <p:ext uri="{BB962C8B-B14F-4D97-AF65-F5344CB8AC3E}">
-        <p14:creationId xmlns:p14="http://schemas.microsoft.com/office/powerpoint/2010/main" val="3819330735"/>
+        <p14:creationId xmlns:p14="http://schemas.microsoft.com/office/powerpoint/2010/main" val="96138852"/>
       </p:ext>
     </p:extLst>
   </p:cSld>
@@ -4474,7 +5145,7 @@
           <a:p>
             <a:r>
               <a:rPr lang="en-US" dirty="0" smtClean="0"/>
-              <a:t>Speed</a:t>
+              <a:t>The Pedigree of Microservices</a:t>
             </a:r>
             <a:endParaRPr lang="en-US" dirty="0"/>
           </a:p>
@@ -4490,55 +5161,87 @@
             <p:ph idx="1"/>
           </p:nvPr>
         </p:nvSpPr>
-        <p:spPr/>
+        <p:spPr>
+          <a:xfrm>
+            <a:off x="457200" y="1558472"/>
+            <a:ext cx="8229600" cy="4567692"/>
+          </a:xfrm>
+        </p:spPr>
         <p:txBody>
           <a:bodyPr>
-            <a:normAutofit/>
+            <a:normAutofit fontScale="85000" lnSpcReduction="10000"/>
           </a:bodyPr>
           <a:lstStyle/>
           <a:p>
             <a:r>
-              <a:rPr lang="en-US" sz="2400" dirty="0" smtClean="0"/>
-              <a:t>How long would it take Fannie Mae to deploy a change that involves just one single line of code? </a:t>
-            </a:r>
-          </a:p>
-          <a:p>
-            <a:r>
-              <a:rPr lang="en-US" sz="2400" dirty="0"/>
-              <a:t>Provisioning a new application environment by making a call to a cloud service API is faster than a form-based manual process by several orders of </a:t>
-            </a:r>
-            <a:r>
-              <a:rPr lang="en-US" sz="2400" dirty="0" smtClean="0"/>
-              <a:t>magnitude</a:t>
-            </a:r>
-            <a:r>
-              <a:rPr lang="en-US" sz="2400" dirty="0"/>
-              <a:t>. </a:t>
-            </a:r>
-            <a:endParaRPr lang="en-US" sz="2400" dirty="0" smtClean="0"/>
-          </a:p>
-          <a:p>
-            <a:r>
-              <a:rPr lang="en-US" sz="2400" dirty="0"/>
-              <a:t>If you can deploy hundreds of times per day, you can recover from mistakes almost instantly. If you can recover from mistakes almost instantly, you can take on more risk. If you can take on more risk, you can try </a:t>
-            </a:r>
-            <a:r>
-              <a:rPr lang="en-US" sz="2400" dirty="0" smtClean="0"/>
-              <a:t>experiments</a:t>
-            </a:r>
-            <a:r>
-              <a:rPr lang="en-US" sz="2400" dirty="0"/>
-              <a:t>—the results might turn into </a:t>
-            </a:r>
-            <a:r>
-              <a:rPr lang="en-US" sz="2400" dirty="0" smtClean="0"/>
-              <a:t>our </a:t>
-            </a:r>
-            <a:r>
-              <a:rPr lang="en-US" sz="2400" dirty="0"/>
-              <a:t>next competitive advantage. </a:t>
-            </a:r>
-            <a:endParaRPr lang="en-US" sz="2400" dirty="0" smtClean="0"/>
+              <a:rPr lang="en-US" dirty="0" smtClean="0"/>
+              <a:t>Domain Driven Design – Represent real-world in code.</a:t>
+            </a:r>
+          </a:p>
+          <a:p>
+            <a:r>
+              <a:rPr lang="en-US" dirty="0" smtClean="0"/>
+              <a:t>Continuous Delivery – Treat every check-in as a release candidate.</a:t>
+            </a:r>
+          </a:p>
+          <a:p>
+            <a:r>
+              <a:rPr lang="en-US" dirty="0" smtClean="0"/>
+              <a:t>Hexagonal Architecture – Build application components </a:t>
+            </a:r>
+            <a:r>
+              <a:rPr lang="en-US" dirty="0"/>
+              <a:t>to </a:t>
+            </a:r>
+            <a:r>
+              <a:rPr lang="en-US" dirty="0" smtClean="0"/>
+              <a:t>be </a:t>
+            </a:r>
+            <a:r>
+              <a:rPr lang="en-US" dirty="0"/>
+              <a:t>driven </a:t>
+            </a:r>
+            <a:r>
+              <a:rPr lang="en-US" dirty="0" smtClean="0"/>
+              <a:t>equally by </a:t>
+            </a:r>
+            <a:r>
+              <a:rPr lang="en-US" dirty="0"/>
+              <a:t>users, programs, automated test or batch </a:t>
+            </a:r>
+            <a:r>
+              <a:rPr lang="en-US" dirty="0" smtClean="0"/>
+              <a:t>scripts allowing it to be </a:t>
+            </a:r>
+            <a:r>
+              <a:rPr lang="en-US" dirty="0"/>
+              <a:t>developed and tested in </a:t>
+            </a:r>
+            <a:r>
+              <a:rPr lang="en-US" dirty="0" smtClean="0"/>
+              <a:t>isolation.</a:t>
+            </a:r>
+          </a:p>
+          <a:p>
+            <a:r>
+              <a:rPr lang="en-US" dirty="0" smtClean="0"/>
+              <a:t>On-demand Virtualization – Provision and resize machines at will.</a:t>
+            </a:r>
+          </a:p>
+          <a:p>
+            <a:r>
+              <a:rPr lang="en-US" dirty="0" smtClean="0"/>
+              <a:t>Infrastructure Automation – Handle machines at scale.</a:t>
+            </a:r>
+          </a:p>
+          <a:p>
+            <a:endParaRPr lang="en-US" dirty="0" smtClean="0"/>
+          </a:p>
+          <a:p>
+            <a:endParaRPr lang="en-US" dirty="0"/>
+          </a:p>
+          <a:p>
+            <a:endParaRPr lang="en-US" dirty="0" smtClean="0"/>
           </a:p>
           <a:p>
             <a:endParaRPr lang="en-US" dirty="0"/>
@@ -4548,7 +5251,7 @@
     </p:spTree>
     <p:extLst>
       <p:ext uri="{BB962C8B-B14F-4D97-AF65-F5344CB8AC3E}">
-        <p14:creationId xmlns:p14="http://schemas.microsoft.com/office/powerpoint/2010/main" val="3122462795"/>
+        <p14:creationId xmlns:p14="http://schemas.microsoft.com/office/powerpoint/2010/main" val="3945198974"/>
       </p:ext>
     </p:extLst>
   </p:cSld>
@@ -4592,7 +5295,7 @@
           <a:p>
             <a:r>
               <a:rPr lang="en-US" dirty="0" smtClean="0"/>
-              <a:t>Safety</a:t>
+              <a:t>What are Microservices?</a:t>
             </a:r>
             <a:endParaRPr lang="en-US" dirty="0"/>
           </a:p>
@@ -4611,48 +5314,67 @@
         <p:spPr/>
         <p:txBody>
           <a:bodyPr>
-            <a:normAutofit fontScale="92500" lnSpcReduction="20000"/>
+            <a:normAutofit fontScale="85000" lnSpcReduction="20000"/>
           </a:bodyPr>
           <a:lstStyle/>
           <a:p>
             <a:r>
+              <a:rPr lang="en-US" dirty="0"/>
+              <a:t>Microservices are small, autonomous services that work together. </a:t>
+            </a:r>
+            <a:endParaRPr lang="en-US" dirty="0" smtClean="0"/>
+          </a:p>
+          <a:p>
+            <a:r>
               <a:rPr lang="en-US" dirty="0" smtClean="0"/>
-              <a:t>How to go fast and yet be safe?</a:t>
+              <a:t>Small and focused on doing one thing well.</a:t>
             </a:r>
           </a:p>
           <a:p>
             <a:r>
               <a:rPr lang="en-US" dirty="0" smtClean="0"/>
-              <a:t>Visibility – Architect applications with tools necessary to see failure when it happens.</a:t>
-            </a:r>
-          </a:p>
-          <a:p>
+              <a:t>Eschews the Single Responsibility Principle - </a:t>
+            </a:r>
+            <a:r>
+              <a:rPr lang="en-US" dirty="0"/>
+              <a:t>Gather together those things that change for the same reason, and separate those things that change for different reasons</a:t>
+            </a:r>
             <a:r>
               <a:rPr lang="en-US" dirty="0" smtClean="0"/>
-              <a:t>Fault Isolation - Limit </a:t>
-            </a:r>
+              <a:t>.</a:t>
+            </a:r>
+          </a:p>
+          <a:p>
+            <a:r>
+              <a:rPr lang="en-US" dirty="0" smtClean="0"/>
+              <a:t>Autonomous – Deployable as an isolated service exposing an API for operation.</a:t>
+            </a:r>
+          </a:p>
+          <a:p>
             <a:r>
               <a:rPr lang="en-US" dirty="0"/>
-              <a:t>the scope of components or features that could be affected by a </a:t>
+              <a:t>The </a:t>
+            </a:r>
+            <a:r>
+              <a:rPr lang="en-US" dirty="0" err="1"/>
+              <a:t>microservice</a:t>
+            </a:r>
+            <a:r>
+              <a:rPr lang="en-US" dirty="0"/>
+              <a:t> approach has emerged from real-world use, </a:t>
             </a:r>
             <a:r>
               <a:rPr lang="en-US" dirty="0" smtClean="0"/>
-              <a:t>failure. Think Microservices.</a:t>
-            </a:r>
-          </a:p>
-          <a:p>
+              <a:t>built upon better understanding </a:t>
+            </a:r>
+            <a:r>
+              <a:rPr lang="en-US" dirty="0"/>
+              <a:t>of systems and architecture to do SOA </a:t>
+            </a:r>
             <a:r>
               <a:rPr lang="en-US" dirty="0" smtClean="0"/>
-              <a:t> Fault Tolerance – Introduce circuit breaker patterns to prevent cascading failures between faulty components and rest of the system.</a:t>
-            </a:r>
-          </a:p>
-          <a:p>
-            <a:r>
-              <a:rPr lang="en-US" dirty="0" smtClean="0"/>
-              <a:t>Automated Recovery – Automate recovery based on health checks.</a:t>
-            </a:r>
-          </a:p>
-          <a:p>
+              <a:t>well.</a:t>
+            </a:r>
             <a:endParaRPr lang="en-US" dirty="0"/>
           </a:p>
         </p:txBody>
@@ -4660,7 +5382,7 @@
     </p:spTree>
     <p:extLst>
       <p:ext uri="{BB962C8B-B14F-4D97-AF65-F5344CB8AC3E}">
-        <p14:creationId xmlns:p14="http://schemas.microsoft.com/office/powerpoint/2010/main" val="2723419911"/>
+        <p14:creationId xmlns:p14="http://schemas.microsoft.com/office/powerpoint/2010/main" val="2314829201"/>
       </p:ext>
     </p:extLst>
   </p:cSld>
@@ -4704,7 +5426,11 @@
           <a:p>
             <a:r>
               <a:rPr lang="en-US" dirty="0" smtClean="0"/>
-              <a:t>Scale</a:t>
+              <a:t>Benefits of </a:t>
+            </a:r>
+            <a:r>
+              <a:rPr lang="en-US" dirty="0" err="1" smtClean="0"/>
+              <a:t>Microservice</a:t>
             </a:r>
             <a:endParaRPr lang="en-US" dirty="0"/>
           </a:p>
@@ -4723,53 +5449,78 @@
         <p:spPr/>
         <p:txBody>
           <a:bodyPr>
-            <a:normAutofit fontScale="77500" lnSpcReduction="20000"/>
+            <a:normAutofit fontScale="85000" lnSpcReduction="10000"/>
           </a:bodyPr>
           <a:lstStyle/>
           <a:p>
             <a:r>
               <a:rPr lang="en-US" dirty="0" smtClean="0"/>
-              <a:t>Are our applications built to scale horizontally as the demand increases?</a:t>
-            </a:r>
-          </a:p>
-          <a:p>
+              <a:t>Technology Heterogeneity -  </a:t>
+            </a:r>
+            <a:r>
+              <a:rPr lang="en-US" dirty="0"/>
+              <a:t>pick the right tool for each </a:t>
+            </a:r>
             <a:r>
               <a:rPr lang="en-US" dirty="0" smtClean="0"/>
-              <a:t>It is notoriously hard to get peak usage forecasting right. What is the solution?</a:t>
+              <a:t>job.</a:t>
             </a:r>
           </a:p>
           <a:p>
             <a:r>
               <a:rPr lang="en-US" dirty="0" smtClean="0"/>
-              <a:t>Delegate virtualization effort to the cloud provider and instead focus on architecting stateless applications.</a:t>
-            </a:r>
-          </a:p>
-          <a:p>
+              <a:t>Resilience – Bulkheads built into the system prevent endemic failures.</a:t>
+            </a:r>
+          </a:p>
+          <a:p>
+            <a:r>
+              <a:rPr lang="en-US" dirty="0" smtClean="0"/>
+              <a:t>Scaling – Lends itself to scaling on demand – no need to scale the whole application.</a:t>
+            </a:r>
+          </a:p>
+          <a:p>
+            <a:r>
+              <a:rPr lang="en-US" dirty="0" smtClean="0"/>
+              <a:t>Ease &amp; speed of Deployment - </a:t>
+            </a:r>
             <a:r>
               <a:rPr lang="en-US" dirty="0"/>
-              <a:t>Not only must we be able to create new application instances quickly; we must also be able to dispose of them quickly and safely. </a:t>
-            </a:r>
-            <a:endParaRPr lang="en-US" dirty="0" smtClean="0"/>
-          </a:p>
-          <a:p>
+              <a:t>make a change to a single service and deploy it </a:t>
+            </a:r>
+            <a:r>
+              <a:rPr lang="en-US" dirty="0" smtClean="0"/>
+              <a:t>independently of </a:t>
+            </a:r>
             <a:r>
               <a:rPr lang="en-US" dirty="0"/>
-              <a:t>Stateless applications can be quickly created and destroyed, as well as attached to and detached from external state </a:t>
+              <a:t>the rest of the </a:t>
             </a:r>
             <a:r>
               <a:rPr lang="en-US" dirty="0" smtClean="0"/>
-              <a:t>managers (data caches), </a:t>
+              <a:t>system.</a:t>
+            </a:r>
+          </a:p>
+          <a:p>
+            <a:r>
+              <a:rPr lang="en-US" dirty="0" smtClean="0"/>
+              <a:t>Reusability - </a:t>
             </a:r>
             <a:r>
               <a:rPr lang="en-US" dirty="0"/>
-              <a:t>enhancing our ability to respond to changes in demand. </a:t>
-            </a:r>
-            <a:endParaRPr lang="en-US" dirty="0" smtClean="0"/>
-          </a:p>
-          <a:p>
-            <a:endParaRPr lang="en-US" dirty="0" smtClean="0">
-              <a:effectLst/>
-            </a:endParaRPr>
+              <a:t>allow for </a:t>
+            </a:r>
+            <a:r>
+              <a:rPr lang="en-US" dirty="0" smtClean="0"/>
+              <a:t>our functionality </a:t>
+            </a:r>
+            <a:r>
+              <a:rPr lang="en-US" dirty="0"/>
+              <a:t>to be consumed in different ways for different </a:t>
+            </a:r>
+            <a:r>
+              <a:rPr lang="en-US" dirty="0" smtClean="0"/>
+              <a:t>purposes.</a:t>
+            </a:r>
           </a:p>
           <a:p>
             <a:endParaRPr lang="en-US" dirty="0"/>
@@ -4779,7 +5530,337 @@
     </p:spTree>
     <p:extLst>
       <p:ext uri="{BB962C8B-B14F-4D97-AF65-F5344CB8AC3E}">
-        <p14:creationId xmlns:p14="http://schemas.microsoft.com/office/powerpoint/2010/main" val="3753279421"/>
+        <p14:creationId xmlns:p14="http://schemas.microsoft.com/office/powerpoint/2010/main" val="3549387134"/>
+      </p:ext>
+    </p:extLst>
+  </p:cSld>
+  <p:clrMapOvr>
+    <a:masterClrMapping/>
+  </p:clrMapOvr>
+</p:sld>
+</file>
+
+<file path=ppt/slides/slide7.xml><?xml version="1.0" encoding="utf-8"?>
+<p:sld xmlns:a="http://schemas.openxmlformats.org/drawingml/2006/main" xmlns:r="http://schemas.openxmlformats.org/officeDocument/2006/relationships" xmlns:p="http://schemas.openxmlformats.org/presentationml/2006/main">
+  <p:cSld>
+    <p:spTree>
+      <p:nvGrpSpPr>
+        <p:cNvPr id="1" name=""/>
+        <p:cNvGrpSpPr/>
+        <p:nvPr/>
+      </p:nvGrpSpPr>
+      <p:grpSpPr>
+        <a:xfrm>
+          <a:off x="0" y="0"/>
+          <a:ext cx="0" cy="0"/>
+          <a:chOff x="0" y="0"/>
+          <a:chExt cx="0" cy="0"/>
+        </a:xfrm>
+      </p:grpSpPr>
+      <p:sp>
+        <p:nvSpPr>
+          <p:cNvPr id="2" name="Title 1"/>
+          <p:cNvSpPr>
+            <a:spLocks noGrp="1"/>
+          </p:cNvSpPr>
+          <p:nvPr>
+            <p:ph type="ctrTitle"/>
+          </p:nvPr>
+        </p:nvSpPr>
+        <p:spPr/>
+        <p:txBody>
+          <a:bodyPr/>
+          <a:lstStyle/>
+          <a:p>
+            <a:r>
+              <a:rPr lang="en-US" dirty="0" smtClean="0"/>
+              <a:t>Cloud-Native Architecture</a:t>
+            </a:r>
+            <a:endParaRPr lang="en-US" dirty="0"/>
+          </a:p>
+        </p:txBody>
+      </p:sp>
+    </p:spTree>
+    <p:extLst>
+      <p:ext uri="{BB962C8B-B14F-4D97-AF65-F5344CB8AC3E}">
+        <p14:creationId xmlns:p14="http://schemas.microsoft.com/office/powerpoint/2010/main" val="3752186916"/>
+      </p:ext>
+    </p:extLst>
+  </p:cSld>
+  <p:clrMapOvr>
+    <a:masterClrMapping/>
+  </p:clrMapOvr>
+</p:sld>
+</file>
+
+<file path=ppt/slides/slide8.xml><?xml version="1.0" encoding="utf-8"?>
+<p:sld xmlns:a="http://schemas.openxmlformats.org/drawingml/2006/main" xmlns:r="http://schemas.openxmlformats.org/officeDocument/2006/relationships" xmlns:p="http://schemas.openxmlformats.org/presentationml/2006/main">
+  <p:cSld>
+    <p:spTree>
+      <p:nvGrpSpPr>
+        <p:cNvPr id="1" name=""/>
+        <p:cNvGrpSpPr/>
+        <p:nvPr/>
+      </p:nvGrpSpPr>
+      <p:grpSpPr>
+        <a:xfrm>
+          <a:off x="0" y="0"/>
+          <a:ext cx="0" cy="0"/>
+          <a:chOff x="0" y="0"/>
+          <a:chExt cx="0" cy="0"/>
+        </a:xfrm>
+      </p:grpSpPr>
+      <p:sp>
+        <p:nvSpPr>
+          <p:cNvPr id="2" name="Title 1"/>
+          <p:cNvSpPr>
+            <a:spLocks noGrp="1"/>
+          </p:cNvSpPr>
+          <p:nvPr>
+            <p:ph type="title"/>
+          </p:nvPr>
+        </p:nvSpPr>
+        <p:spPr/>
+        <p:txBody>
+          <a:bodyPr>
+            <a:normAutofit fontScale="90000"/>
+          </a:bodyPr>
+          <a:lstStyle/>
+          <a:p>
+            <a:r>
+              <a:rPr lang="en-US" dirty="0" smtClean="0"/>
+              <a:t>Cloud-Native Applications for Delivering Speed &amp; Innovation Safely </a:t>
+            </a:r>
+            <a:endParaRPr lang="en-US" dirty="0"/>
+          </a:p>
+        </p:txBody>
+      </p:sp>
+      <p:sp>
+        <p:nvSpPr>
+          <p:cNvPr id="3" name="Content Placeholder 2"/>
+          <p:cNvSpPr>
+            <a:spLocks noGrp="1"/>
+          </p:cNvSpPr>
+          <p:nvPr>
+            <p:ph idx="1"/>
+          </p:nvPr>
+        </p:nvSpPr>
+        <p:spPr/>
+        <p:txBody>
+          <a:bodyPr>
+            <a:normAutofit/>
+          </a:bodyPr>
+          <a:lstStyle/>
+          <a:p>
+            <a:r>
+              <a:rPr lang="en-US" sz="2400" dirty="0" smtClean="0"/>
+              <a:t>Cloud-native applications are at the center of how disruptive companies such as </a:t>
+            </a:r>
+            <a:r>
+              <a:rPr lang="en-US" sz="2400" dirty="0" err="1" smtClean="0"/>
+              <a:t>Uber</a:t>
+            </a:r>
+            <a:r>
+              <a:rPr lang="en-US" sz="2400" dirty="0" smtClean="0"/>
+              <a:t>, Netflix, Square and </a:t>
+            </a:r>
+            <a:r>
+              <a:rPr lang="en-US" sz="2400" dirty="0" err="1" smtClean="0"/>
+              <a:t>Airbnb</a:t>
+            </a:r>
+            <a:r>
+              <a:rPr lang="en-US" sz="2400" dirty="0" smtClean="0"/>
+              <a:t> are able to provide:</a:t>
+            </a:r>
+          </a:p>
+          <a:p>
+            <a:pPr lvl="1"/>
+            <a:r>
+              <a:rPr lang="en-US" sz="2000" dirty="0" smtClean="0"/>
+              <a:t>New innovation at light speed</a:t>
+            </a:r>
+          </a:p>
+          <a:p>
+            <a:pPr lvl="1"/>
+            <a:r>
+              <a:rPr lang="en-US" sz="2000" dirty="0" smtClean="0"/>
+              <a:t>Always available services</a:t>
+            </a:r>
+          </a:p>
+          <a:p>
+            <a:pPr lvl="1"/>
+            <a:r>
+              <a:rPr lang="en-US" sz="2000" dirty="0" smtClean="0"/>
+              <a:t>Web-scale applications</a:t>
+            </a:r>
+          </a:p>
+          <a:p>
+            <a:pPr lvl="1"/>
+            <a:r>
+              <a:rPr lang="en-US" sz="2000" dirty="0" smtClean="0"/>
+              <a:t>Device agnostic user experiences</a:t>
+            </a:r>
+          </a:p>
+          <a:p>
+            <a:r>
+              <a:rPr lang="en-US" sz="2400" dirty="0" smtClean="0"/>
+              <a:t>Cloud is any computing </a:t>
+            </a:r>
+            <a:r>
+              <a:rPr lang="en-US" sz="2400" dirty="0"/>
+              <a:t>environment in which computing</a:t>
+            </a:r>
+            <a:r>
+              <a:rPr lang="en-US" sz="2400" dirty="0" smtClean="0"/>
+              <a:t>, networking</a:t>
+            </a:r>
+            <a:r>
+              <a:rPr lang="en-US" sz="2400" dirty="0"/>
+              <a:t>, and storage resources can be provisioned and released </a:t>
+            </a:r>
+            <a:r>
+              <a:rPr lang="en-US" sz="2400" dirty="0" smtClean="0"/>
+              <a:t>elastically </a:t>
+            </a:r>
+            <a:r>
+              <a:rPr lang="en-US" sz="2400" dirty="0"/>
+              <a:t>in an on-demand, self-service </a:t>
+            </a:r>
+            <a:r>
+              <a:rPr lang="en-US" sz="2400" dirty="0" smtClean="0"/>
+              <a:t>manner. </a:t>
+            </a:r>
+            <a:endParaRPr lang="en-US" sz="2400" dirty="0" smtClean="0">
+              <a:effectLst/>
+            </a:endParaRPr>
+          </a:p>
+          <a:p>
+            <a:endParaRPr lang="en-US" sz="2400" dirty="0"/>
+          </a:p>
+        </p:txBody>
+      </p:sp>
+    </p:spTree>
+    <p:extLst>
+      <p:ext uri="{BB962C8B-B14F-4D97-AF65-F5344CB8AC3E}">
+        <p14:creationId xmlns:p14="http://schemas.microsoft.com/office/powerpoint/2010/main" val="3819330735"/>
+      </p:ext>
+    </p:extLst>
+  </p:cSld>
+  <p:clrMapOvr>
+    <a:masterClrMapping/>
+  </p:clrMapOvr>
+</p:sld>
+</file>
+
+<file path=ppt/slides/slide9.xml><?xml version="1.0" encoding="utf-8"?>
+<p:sld xmlns:a="http://schemas.openxmlformats.org/drawingml/2006/main" xmlns:r="http://schemas.openxmlformats.org/officeDocument/2006/relationships" xmlns:p="http://schemas.openxmlformats.org/presentationml/2006/main">
+  <p:cSld>
+    <p:spTree>
+      <p:nvGrpSpPr>
+        <p:cNvPr id="1" name=""/>
+        <p:cNvGrpSpPr/>
+        <p:nvPr/>
+      </p:nvGrpSpPr>
+      <p:grpSpPr>
+        <a:xfrm>
+          <a:off x="0" y="0"/>
+          <a:ext cx="0" cy="0"/>
+          <a:chOff x="0" y="0"/>
+          <a:chExt cx="0" cy="0"/>
+        </a:xfrm>
+      </p:grpSpPr>
+      <p:sp>
+        <p:nvSpPr>
+          <p:cNvPr id="2" name="Title 1"/>
+          <p:cNvSpPr>
+            <a:spLocks noGrp="1"/>
+          </p:cNvSpPr>
+          <p:nvPr>
+            <p:ph type="title"/>
+          </p:nvPr>
+        </p:nvSpPr>
+        <p:spPr/>
+        <p:txBody>
+          <a:bodyPr/>
+          <a:lstStyle/>
+          <a:p>
+            <a:r>
+              <a:rPr lang="en-US" dirty="0" smtClean="0"/>
+              <a:t>Speed</a:t>
+            </a:r>
+            <a:endParaRPr lang="en-US" dirty="0"/>
+          </a:p>
+        </p:txBody>
+      </p:sp>
+      <p:sp>
+        <p:nvSpPr>
+          <p:cNvPr id="3" name="Content Placeholder 2"/>
+          <p:cNvSpPr>
+            <a:spLocks noGrp="1"/>
+          </p:cNvSpPr>
+          <p:nvPr>
+            <p:ph idx="1"/>
+          </p:nvPr>
+        </p:nvSpPr>
+        <p:spPr/>
+        <p:txBody>
+          <a:bodyPr>
+            <a:normAutofit/>
+          </a:bodyPr>
+          <a:lstStyle/>
+          <a:p>
+            <a:r>
+              <a:rPr lang="en-US" sz="2400" dirty="0" smtClean="0"/>
+              <a:t>How long would it take Fannie Mae to deploy a change that involves just one single line of code? </a:t>
+            </a:r>
+          </a:p>
+          <a:p>
+            <a:r>
+              <a:rPr lang="en-US" sz="2400" dirty="0"/>
+              <a:t>Provisioning a new application environment by making a call to a cloud service API is faster than a form-based manual process by several orders of </a:t>
+            </a:r>
+            <a:r>
+              <a:rPr lang="en-US" sz="2400" dirty="0" smtClean="0"/>
+              <a:t>magnitude</a:t>
+            </a:r>
+            <a:r>
+              <a:rPr lang="en-US" sz="2400" dirty="0"/>
+              <a:t>. </a:t>
+            </a:r>
+            <a:endParaRPr lang="en-US" sz="2400" dirty="0" smtClean="0"/>
+          </a:p>
+          <a:p>
+            <a:r>
+              <a:rPr lang="en-US" sz="2400" dirty="0"/>
+              <a:t>If you can deploy hundreds of times per day, you can recover from mistakes almost instantly. If you can recover from mistakes almost instantly, you can take on more risk. If you can take on more risk, you can try </a:t>
+            </a:r>
+            <a:r>
+              <a:rPr lang="en-US" sz="2400" dirty="0" smtClean="0"/>
+              <a:t>experiments</a:t>
+            </a:r>
+            <a:r>
+              <a:rPr lang="en-US" sz="2400" dirty="0"/>
+              <a:t>—the results might turn into </a:t>
+            </a:r>
+            <a:r>
+              <a:rPr lang="en-US" sz="2400" dirty="0" smtClean="0"/>
+              <a:t>our </a:t>
+            </a:r>
+            <a:r>
+              <a:rPr lang="en-US" sz="2400" dirty="0"/>
+              <a:t>next competitive advantage. </a:t>
+            </a:r>
+            <a:endParaRPr lang="en-US" sz="2400" dirty="0" smtClean="0"/>
+          </a:p>
+          <a:p>
+            <a:endParaRPr lang="en-US" dirty="0"/>
+          </a:p>
+        </p:txBody>
+      </p:sp>
+    </p:spTree>
+    <p:extLst>
+      <p:ext uri="{BB962C8B-B14F-4D97-AF65-F5344CB8AC3E}">
+        <p14:creationId xmlns:p14="http://schemas.microsoft.com/office/powerpoint/2010/main" val="3122462795"/>
       </p:ext>
     </p:extLst>
   </p:cSld>

--- a/FannieMaeArchConfTakeaways.pptx
+++ b/FannieMaeArchConfTakeaways.pptx
@@ -5,7 +5,7 @@
     <p:sldMasterId id="2147483648" r:id="rId1"/>
   </p:sldMasterIdLst>
   <p:notesMasterIdLst>
-    <p:notesMasterId r:id="rId13"/>
+    <p:notesMasterId r:id="rId16"/>
   </p:notesMasterIdLst>
   <p:sldIdLst>
     <p:sldId id="256" r:id="rId2"/>
@@ -14,11 +14,14 @@
     <p:sldId id="263" r:id="rId5"/>
     <p:sldId id="266" r:id="rId6"/>
     <p:sldId id="267" r:id="rId7"/>
-    <p:sldId id="265" r:id="rId8"/>
-    <p:sldId id="258" r:id="rId9"/>
-    <p:sldId id="260" r:id="rId10"/>
-    <p:sldId id="261" r:id="rId11"/>
-    <p:sldId id="262" r:id="rId12"/>
+    <p:sldId id="268" r:id="rId8"/>
+    <p:sldId id="269" r:id="rId9"/>
+    <p:sldId id="270" r:id="rId10"/>
+    <p:sldId id="265" r:id="rId11"/>
+    <p:sldId id="258" r:id="rId12"/>
+    <p:sldId id="260" r:id="rId13"/>
+    <p:sldId id="261" r:id="rId14"/>
+    <p:sldId id="262" r:id="rId15"/>
   </p:sldIdLst>
   <p:sldSz cx="9144000" cy="6858000" type="screen4x3"/>
   <p:notesSz cx="6858000" cy="9144000"/>
@@ -117,7 +120,49 @@
       </a:defRPr>
     </a:lvl9pPr>
   </p:defaultTextStyle>
+  <p:extLst>
+    <p:ext uri="{EFAFB233-063F-42B5-8137-9DF3F51BA10A}">
+      <p15:sldGuideLst xmlns:p15="http://schemas.microsoft.com/office/powerpoint/2012/main">
+        <p15:guide id="1" orient="horz" pos="2160">
+          <p15:clr>
+            <a:srgbClr val="A4A3A4"/>
+          </p15:clr>
+        </p15:guide>
+        <p15:guide id="2" pos="2880">
+          <p15:clr>
+            <a:srgbClr val="A4A3A4"/>
+          </p15:clr>
+        </p15:guide>
+      </p15:sldGuideLst>
+    </p:ext>
+  </p:extLst>
 </p:presentation>
+</file>
+
+<file path=ppt/commentAuthors.xml><?xml version="1.0" encoding="utf-8"?>
+<p:cmAuthorLst xmlns:a="http://schemas.openxmlformats.org/drawingml/2006/main" xmlns:r="http://schemas.openxmlformats.org/officeDocument/2006/relationships" xmlns:p="http://schemas.openxmlformats.org/presentationml/2006/main">
+  <p:cmAuthor id="1" name="Scott Nestor" initials="SN" lastIdx="1" clrIdx="0">
+    <p:extLst>
+      <p:ext uri="{19B8F6BF-5375-455C-9EA6-DF929625EA0E}">
+        <p15:presenceInfo xmlns:p15="http://schemas.microsoft.com/office/powerpoint/2012/main" userId="" providerId=""/>
+      </p:ext>
+    </p:extLst>
+  </p:cmAuthor>
+</p:cmAuthorLst>
+</file>
+
+<file path=ppt/comments/comment1.xml><?xml version="1.0" encoding="utf-8"?>
+<p:cmLst xmlns:a="http://schemas.openxmlformats.org/drawingml/2006/main" xmlns:r="http://schemas.openxmlformats.org/officeDocument/2006/relationships" xmlns:p="http://schemas.openxmlformats.org/presentationml/2006/main">
+  <p:cm authorId="1" dt="2016-01-02T21:51:46.072" idx="1">
+    <p:pos x="10" y="10"/>
+    <p:text/>
+    <p:extLst>
+      <p:ext uri="{C676402C-5697-4E1C-873F-D02D1690AC5C}">
+        <p15:threadingInfo xmlns:p15="http://schemas.microsoft.com/office/powerpoint/2012/main" timeZoneBias="300"/>
+      </p:ext>
+    </p:extLst>
+  </p:cm>
+</p:cmLst>
 </file>
 
 <file path=ppt/notesMasters/notesMaster1.xml><?xml version="1.0" encoding="utf-8"?>
@@ -202,7 +247,7 @@
           <a:p>
             <a:fld id="{1577CFEA-91B5-1048-A360-788FD08E9AAD}" type="datetimeFigureOut">
               <a:rPr lang="en-US" smtClean="0"/>
-              <a:t>1/1/16</a:t>
+              <a:t>1/2/16</a:t>
             </a:fld>
             <a:endParaRPr lang="en-US"/>
           </a:p>
@@ -1055,92 +1100,26 @@
           <a:bodyPr/>
           <a:lstStyle/>
           <a:p>
-            <a:pPr marL="0" marR="0" indent="0" algn="l" defTabSz="457200" rtl="0" eaLnBrk="1" fontAlgn="auto" latinLnBrk="0" hangingPunct="1">
-              <a:lnSpc>
-                <a:spcPct val="100000"/>
-              </a:lnSpc>
-              <a:spcBef>
-                <a:spcPts val="0"/>
-              </a:spcBef>
-              <a:spcAft>
-                <a:spcPts val="0"/>
-              </a:spcAft>
-              <a:buClrTx/>
-              <a:buSzTx/>
-              <a:buFontTx/>
-              <a:buNone/>
-              <a:tabLst/>
-              <a:defRPr/>
-            </a:pPr>
-            <a:r>
-              <a:rPr lang="en-US" dirty="0" smtClean="0"/>
-              <a:t>Definition of ‘cloud’ includes </a:t>
-            </a:r>
-            <a:r>
-              <a:rPr lang="en-US" sz="1200" kern="1200" dirty="0" smtClean="0">
-                <a:solidFill>
-                  <a:schemeClr val="tx1"/>
-                </a:solidFill>
-                <a:effectLst/>
-                <a:latin typeface="+mn-lt"/>
-                <a:ea typeface="+mn-ea"/>
-                <a:cs typeface="+mn-cs"/>
-              </a:rPr>
-              <a:t>both public cloud infrastructure (such as Amazon Web Services, Google Cloud, or Microsoft Azure) and private cloud infrastructure (such as VMware </a:t>
-            </a:r>
-            <a:r>
-              <a:rPr lang="en-US" sz="1200" kern="1200" dirty="0" err="1" smtClean="0">
-                <a:solidFill>
-                  <a:schemeClr val="tx1"/>
-                </a:solidFill>
-                <a:effectLst/>
-                <a:latin typeface="+mn-lt"/>
-                <a:ea typeface="+mn-ea"/>
-                <a:cs typeface="+mn-cs"/>
-              </a:rPr>
-              <a:t>vSphere</a:t>
-            </a:r>
-            <a:r>
-              <a:rPr lang="en-US" sz="1200" kern="1200" dirty="0" smtClean="0">
-                <a:solidFill>
-                  <a:schemeClr val="tx1"/>
-                </a:solidFill>
-                <a:effectLst/>
-                <a:latin typeface="+mn-lt"/>
-                <a:ea typeface="+mn-ea"/>
-                <a:cs typeface="+mn-cs"/>
-              </a:rPr>
-              <a:t> or </a:t>
-            </a:r>
-            <a:r>
-              <a:rPr lang="en-US" sz="1200" kern="1200" dirty="0" err="1" smtClean="0">
-                <a:solidFill>
-                  <a:schemeClr val="tx1"/>
-                </a:solidFill>
-                <a:effectLst/>
-                <a:latin typeface="+mn-lt"/>
-                <a:ea typeface="+mn-ea"/>
-                <a:cs typeface="+mn-cs"/>
-              </a:rPr>
-              <a:t>OpenStack</a:t>
-            </a:r>
-            <a:r>
-              <a:rPr lang="en-US" sz="1200" kern="1200" dirty="0" smtClean="0">
-                <a:solidFill>
-                  <a:schemeClr val="tx1"/>
-                </a:solidFill>
-                <a:effectLst/>
-                <a:latin typeface="+mn-lt"/>
-                <a:ea typeface="+mn-ea"/>
-                <a:cs typeface="+mn-cs"/>
-              </a:rPr>
-              <a:t>). </a:t>
-            </a:r>
-            <a:endParaRPr lang="en-US" dirty="0" smtClean="0">
-              <a:effectLst/>
-            </a:endParaRPr>
-          </a:p>
-          <a:p>
+            <a:r>
+              <a:rPr lang="en-US" dirty="0" smtClean="0"/>
+              <a:t>12 factor apps </a:t>
+            </a:r>
+            <a:r>
+              <a:rPr lang="is-IS" dirty="0" smtClean="0"/>
+              <a:t>… phrase</a:t>
+            </a:r>
+            <a:r>
+              <a:rPr lang="is-IS" baseline="0" dirty="0" smtClean="0"/>
+              <a:t> coined by developers of Heroku.   Has become the </a:t>
+            </a:r>
+            <a:r>
+              <a:rPr lang="is-IS" i="1" baseline="0" dirty="0" smtClean="0"/>
+              <a:t>defacto</a:t>
+            </a:r>
+            <a:r>
+              <a:rPr lang="is-IS" baseline="0" dirty="0" smtClean="0"/>
+              <a:t> approach for distributed, cloud based services (microservices).</a:t>
+            </a:r>
             <a:endParaRPr lang="en-US" dirty="0"/>
           </a:p>
         </p:txBody>
@@ -1162,7 +1141,7 @@
           <a:p>
             <a:fld id="{4A9D8C0A-C076-214D-A2D0-732BBC5FCAE2}" type="slidenum">
               <a:rPr lang="en-US" smtClean="0"/>
-              <a:t>8</a:t>
+              <a:t>7</a:t>
             </a:fld>
             <a:endParaRPr lang="en-US"/>
           </a:p>
@@ -1171,7 +1150,7 @@
     </p:spTree>
     <p:extLst>
       <p:ext uri="{BB962C8B-B14F-4D97-AF65-F5344CB8AC3E}">
-        <p14:creationId xmlns:p14="http://schemas.microsoft.com/office/powerpoint/2010/main" val="4283456988"/>
+        <p14:creationId xmlns:p14="http://schemas.microsoft.com/office/powerpoint/2010/main" val="671972132"/>
       </p:ext>
     </p:extLst>
   </p:cSld>
@@ -1225,6 +1204,528 @@
           <a:bodyPr/>
           <a:lstStyle/>
           <a:p>
+            <a:endParaRPr lang="en-US" dirty="0"/>
+          </a:p>
+        </p:txBody>
+      </p:sp>
+      <p:sp>
+        <p:nvSpPr>
+          <p:cNvPr id="4" name="Slide Number Placeholder 3"/>
+          <p:cNvSpPr>
+            <a:spLocks noGrp="1"/>
+          </p:cNvSpPr>
+          <p:nvPr>
+            <p:ph type="sldNum" sz="quarter" idx="10"/>
+          </p:nvPr>
+        </p:nvSpPr>
+        <p:spPr/>
+        <p:txBody>
+          <a:bodyPr/>
+          <a:lstStyle/>
+          <a:p>
+            <a:fld id="{4A9D8C0A-C076-214D-A2D0-732BBC5FCAE2}" type="slidenum">
+              <a:rPr lang="en-US" smtClean="0"/>
+              <a:t>8</a:t>
+            </a:fld>
+            <a:endParaRPr lang="en-US"/>
+          </a:p>
+        </p:txBody>
+      </p:sp>
+    </p:spTree>
+    <p:extLst>
+      <p:ext uri="{BB962C8B-B14F-4D97-AF65-F5344CB8AC3E}">
+        <p14:creationId xmlns:p14="http://schemas.microsoft.com/office/powerpoint/2010/main" val="2009455415"/>
+      </p:ext>
+    </p:extLst>
+  </p:cSld>
+  <p:clrMapOvr>
+    <a:masterClrMapping/>
+  </p:clrMapOvr>
+</p:notes>
+</file>
+
+<file path=ppt/notesSlides/notesSlide4.xml><?xml version="1.0" encoding="utf-8"?>
+<p:notes xmlns:a="http://schemas.openxmlformats.org/drawingml/2006/main" xmlns:r="http://schemas.openxmlformats.org/officeDocument/2006/relationships" xmlns:p="http://schemas.openxmlformats.org/presentationml/2006/main">
+  <p:cSld>
+    <p:spTree>
+      <p:nvGrpSpPr>
+        <p:cNvPr id="1" name=""/>
+        <p:cNvGrpSpPr/>
+        <p:nvPr/>
+      </p:nvGrpSpPr>
+      <p:grpSpPr>
+        <a:xfrm>
+          <a:off x="0" y="0"/>
+          <a:ext cx="0" cy="0"/>
+          <a:chOff x="0" y="0"/>
+          <a:chExt cx="0" cy="0"/>
+        </a:xfrm>
+      </p:grpSpPr>
+      <p:sp>
+        <p:nvSpPr>
+          <p:cNvPr id="2" name="Slide Image Placeholder 1"/>
+          <p:cNvSpPr>
+            <a:spLocks noGrp="1" noRot="1" noChangeAspect="1"/>
+          </p:cNvSpPr>
+          <p:nvPr>
+            <p:ph type="sldImg"/>
+          </p:nvPr>
+        </p:nvSpPr>
+        <p:spPr/>
+      </p:sp>
+      <p:sp>
+        <p:nvSpPr>
+          <p:cNvPr id="3" name="Notes Placeholder 2"/>
+          <p:cNvSpPr>
+            <a:spLocks noGrp="1"/>
+          </p:cNvSpPr>
+          <p:nvPr>
+            <p:ph type="body" idx="1"/>
+          </p:nvPr>
+        </p:nvSpPr>
+        <p:spPr/>
+        <p:txBody>
+          <a:bodyPr/>
+          <a:lstStyle/>
+          <a:p>
+            <a:pPr marL="171450" indent="-171450">
+              <a:buFontTx/>
+              <a:buChar char="-"/>
+            </a:pPr>
+            <a:r>
+              <a:rPr lang="en-US" dirty="0" smtClean="0"/>
+              <a:t>Most</a:t>
+            </a:r>
+            <a:r>
+              <a:rPr lang="en-US" baseline="0" dirty="0" smtClean="0"/>
+              <a:t> FNM apps already doing the first two (hopefully) </a:t>
+            </a:r>
+            <a:r>
+              <a:rPr lang="is-IS" baseline="0" dirty="0" smtClean="0"/>
+              <a:t>… e.g., CVS, CC, or SVN (repos) and Maven</a:t>
+            </a:r>
+            <a:br>
+              <a:rPr lang="is-IS" baseline="0" dirty="0" smtClean="0"/>
+            </a:br>
+            <a:r>
+              <a:rPr lang="is-IS" baseline="0" dirty="0" smtClean="0"/>
+              <a:t>Note: </a:t>
+            </a:r>
+            <a:r>
+              <a:rPr lang="en-US" baseline="0" dirty="0" smtClean="0">
+                <a:solidFill>
+                  <a:srgbClr val="FF0000"/>
+                </a:solidFill>
+              </a:rPr>
+              <a:t>Should move to </a:t>
+            </a:r>
+            <a:r>
+              <a:rPr lang="en-US" baseline="0" dirty="0" err="1" smtClean="0">
+                <a:solidFill>
+                  <a:srgbClr val="FF0000"/>
+                </a:solidFill>
+              </a:rPr>
+              <a:t>git</a:t>
+            </a:r>
+            <a:r>
+              <a:rPr lang="en-US" baseline="0" dirty="0" smtClean="0">
+                <a:solidFill>
+                  <a:srgbClr val="FF0000"/>
+                </a:solidFill>
+              </a:rPr>
+              <a:t> and Spring Boot</a:t>
+            </a:r>
+          </a:p>
+          <a:p>
+            <a:pPr marL="171450" indent="-171450">
+              <a:buFontTx/>
+              <a:buChar char="-"/>
+            </a:pPr>
+            <a:r>
+              <a:rPr lang="en-US" baseline="0" dirty="0" err="1" smtClean="0"/>
+              <a:t>Config</a:t>
+            </a:r>
+            <a:r>
+              <a:rPr lang="en-US" baseline="0" dirty="0" smtClean="0"/>
+              <a:t> in the </a:t>
+            </a:r>
+            <a:r>
+              <a:rPr lang="en-US" baseline="0" dirty="0" err="1" smtClean="0"/>
+              <a:t>env</a:t>
+            </a:r>
+            <a:r>
+              <a:rPr lang="en-US" baseline="0" dirty="0" smtClean="0"/>
+              <a:t> doesn’t mean property files or DB.  Need </a:t>
+            </a:r>
+            <a:r>
+              <a:rPr lang="en-US" baseline="0" dirty="0" err="1" smtClean="0"/>
+              <a:t>env</a:t>
+            </a:r>
+            <a:r>
+              <a:rPr lang="en-US" baseline="0" dirty="0" smtClean="0"/>
+              <a:t> variables, or </a:t>
+            </a:r>
+            <a:r>
+              <a:rPr lang="en-US" baseline="0" dirty="0" err="1" smtClean="0"/>
+              <a:t>config</a:t>
+            </a:r>
+            <a:r>
+              <a:rPr lang="en-US" baseline="0" dirty="0" smtClean="0"/>
+              <a:t> server (versioned, and language agnostic)</a:t>
+            </a:r>
+          </a:p>
+          <a:p>
+            <a:pPr marL="171450" indent="-171450">
+              <a:buFontTx/>
+              <a:buChar char="-"/>
+            </a:pPr>
+            <a:r>
+              <a:rPr lang="is-IS" baseline="0" dirty="0" smtClean="0"/>
+              <a:t>Backing services – swappable, no distinction between local and 3rd party</a:t>
+            </a:r>
+          </a:p>
+          <a:p>
+            <a:pPr marL="171450" indent="-171450">
+              <a:buFontTx/>
+              <a:buChar char="-"/>
+            </a:pPr>
+            <a:r>
+              <a:rPr lang="is-IS" baseline="0" dirty="0" smtClean="0"/>
+              <a:t>Build, release, run – partially there with Maven, but env dependency assumptions still there</a:t>
+            </a:r>
+            <a:br>
+              <a:rPr lang="is-IS" baseline="0" dirty="0" smtClean="0"/>
+            </a:br>
+            <a:r>
+              <a:rPr lang="is-IS" baseline="0" dirty="0" smtClean="0"/>
+              <a:t>Note: Need to move to Docker (or Chef)</a:t>
+            </a:r>
+          </a:p>
+          <a:p>
+            <a:pPr marL="171450" indent="-171450">
+              <a:buFontTx/>
+              <a:buChar char="-"/>
+            </a:pPr>
+            <a:r>
+              <a:rPr lang="is-IS" baseline="0" dirty="0" smtClean="0"/>
+              <a:t>Processes – </a:t>
+            </a:r>
+            <a:r>
+              <a:rPr lang="is-IS" b="1" baseline="0" dirty="0" smtClean="0"/>
+              <a:t>State adds complexity (scaling, consistency)</a:t>
+            </a:r>
+            <a:br>
+              <a:rPr lang="is-IS" b="1" baseline="0" dirty="0" smtClean="0"/>
+            </a:br>
+            <a:r>
+              <a:rPr lang="is-IS" b="0" baseline="0" dirty="0" smtClean="0"/>
+              <a:t>Note:  Use Spring for session management</a:t>
+            </a:r>
+          </a:p>
+          <a:p>
+            <a:pPr marL="171450" indent="-171450">
+              <a:buFontTx/>
+              <a:buChar char="-"/>
+            </a:pPr>
+            <a:r>
+              <a:rPr lang="is-IS" b="0" baseline="0" dirty="0" smtClean="0"/>
+              <a:t>Port Binding – Bring your own container (TC, Jetty, etc.)</a:t>
+            </a:r>
+          </a:p>
+          <a:p>
+            <a:pPr marL="171450" indent="-171450">
+              <a:buFontTx/>
+              <a:buChar char="-"/>
+            </a:pPr>
+            <a:r>
+              <a:rPr lang="is-IS" b="0" baseline="0" dirty="0" smtClean="0"/>
+              <a:t>Concurrency – More processes, less multiplexing</a:t>
+            </a:r>
+          </a:p>
+          <a:p>
+            <a:pPr marL="171450" indent="-171450">
+              <a:buFontTx/>
+              <a:buChar char="-"/>
+            </a:pPr>
+            <a:r>
+              <a:rPr lang="is-IS" b="0" baseline="0" dirty="0" smtClean="0"/>
+              <a:t>Disposibility – “Crash Well”</a:t>
+            </a:r>
+          </a:p>
+          <a:p>
+            <a:pPr marL="171450" indent="-171450">
+              <a:buFontTx/>
+              <a:buChar char="-"/>
+            </a:pPr>
+            <a:r>
+              <a:rPr lang="is-IS" baseline="0" dirty="0" smtClean="0"/>
+              <a:t>Logs – ELK (logstash) ... </a:t>
+            </a:r>
+            <a:r>
+              <a:rPr lang="en-US" baseline="0" dirty="0" smtClean="0"/>
+              <a:t>Yeah!</a:t>
+            </a:r>
+            <a:endParaRPr lang="is-IS" baseline="0" dirty="0" smtClean="0"/>
+          </a:p>
+          <a:p>
+            <a:pPr marL="171450" indent="-171450">
+              <a:buFontTx/>
+              <a:buChar char="-"/>
+            </a:pPr>
+            <a:endParaRPr lang="is-IS" baseline="0" dirty="0" smtClean="0"/>
+          </a:p>
+        </p:txBody>
+      </p:sp>
+      <p:sp>
+        <p:nvSpPr>
+          <p:cNvPr id="4" name="Slide Number Placeholder 3"/>
+          <p:cNvSpPr>
+            <a:spLocks noGrp="1"/>
+          </p:cNvSpPr>
+          <p:nvPr>
+            <p:ph type="sldNum" sz="quarter" idx="10"/>
+          </p:nvPr>
+        </p:nvSpPr>
+        <p:spPr/>
+        <p:txBody>
+          <a:bodyPr/>
+          <a:lstStyle/>
+          <a:p>
+            <a:fld id="{4A9D8C0A-C076-214D-A2D0-732BBC5FCAE2}" type="slidenum">
+              <a:rPr lang="en-US" smtClean="0"/>
+              <a:t>9</a:t>
+            </a:fld>
+            <a:endParaRPr lang="en-US"/>
+          </a:p>
+        </p:txBody>
+      </p:sp>
+    </p:spTree>
+    <p:extLst>
+      <p:ext uri="{BB962C8B-B14F-4D97-AF65-F5344CB8AC3E}">
+        <p14:creationId xmlns:p14="http://schemas.microsoft.com/office/powerpoint/2010/main" val="75108121"/>
+      </p:ext>
+    </p:extLst>
+  </p:cSld>
+  <p:clrMapOvr>
+    <a:masterClrMapping/>
+  </p:clrMapOvr>
+</p:notes>
+</file>
+
+<file path=ppt/notesSlides/notesSlide5.xml><?xml version="1.0" encoding="utf-8"?>
+<p:notes xmlns:a="http://schemas.openxmlformats.org/drawingml/2006/main" xmlns:r="http://schemas.openxmlformats.org/officeDocument/2006/relationships" xmlns:p="http://schemas.openxmlformats.org/presentationml/2006/main">
+  <p:cSld>
+    <p:spTree>
+      <p:nvGrpSpPr>
+        <p:cNvPr id="1" name=""/>
+        <p:cNvGrpSpPr/>
+        <p:nvPr/>
+      </p:nvGrpSpPr>
+      <p:grpSpPr>
+        <a:xfrm>
+          <a:off x="0" y="0"/>
+          <a:ext cx="0" cy="0"/>
+          <a:chOff x="0" y="0"/>
+          <a:chExt cx="0" cy="0"/>
+        </a:xfrm>
+      </p:grpSpPr>
+      <p:sp>
+        <p:nvSpPr>
+          <p:cNvPr id="2" name="Slide Image Placeholder 1"/>
+          <p:cNvSpPr>
+            <a:spLocks noGrp="1" noRot="1" noChangeAspect="1"/>
+          </p:cNvSpPr>
+          <p:nvPr>
+            <p:ph type="sldImg"/>
+          </p:nvPr>
+        </p:nvSpPr>
+        <p:spPr/>
+      </p:sp>
+      <p:sp>
+        <p:nvSpPr>
+          <p:cNvPr id="3" name="Notes Placeholder 2"/>
+          <p:cNvSpPr>
+            <a:spLocks noGrp="1"/>
+          </p:cNvSpPr>
+          <p:nvPr>
+            <p:ph type="body" idx="1"/>
+          </p:nvPr>
+        </p:nvSpPr>
+        <p:spPr/>
+        <p:txBody>
+          <a:bodyPr/>
+          <a:lstStyle/>
+          <a:p>
+            <a:pPr marL="0" marR="0" indent="0" algn="l" defTabSz="457200" rtl="0" eaLnBrk="1" fontAlgn="auto" latinLnBrk="0" hangingPunct="1">
+              <a:lnSpc>
+                <a:spcPct val="100000"/>
+              </a:lnSpc>
+              <a:spcBef>
+                <a:spcPts val="0"/>
+              </a:spcBef>
+              <a:spcAft>
+                <a:spcPts val="0"/>
+              </a:spcAft>
+              <a:buClrTx/>
+              <a:buSzTx/>
+              <a:buFontTx/>
+              <a:buNone/>
+              <a:tabLst/>
+              <a:defRPr/>
+            </a:pPr>
+            <a:r>
+              <a:rPr lang="en-US" dirty="0" smtClean="0"/>
+              <a:t>Definition of ‘cloud’ includes </a:t>
+            </a:r>
+            <a:r>
+              <a:rPr lang="en-US" sz="1200" kern="1200" dirty="0" smtClean="0">
+                <a:solidFill>
+                  <a:schemeClr val="tx1"/>
+                </a:solidFill>
+                <a:effectLst/>
+                <a:latin typeface="+mn-lt"/>
+                <a:ea typeface="+mn-ea"/>
+                <a:cs typeface="+mn-cs"/>
+              </a:rPr>
+              <a:t>both public cloud infrastructure (such as Amazon Web Services, Google Cloud, or Microsoft Azure) and private cloud infrastructure (such as VMware </a:t>
+            </a:r>
+            <a:r>
+              <a:rPr lang="en-US" sz="1200" kern="1200" dirty="0" err="1" smtClean="0">
+                <a:solidFill>
+                  <a:schemeClr val="tx1"/>
+                </a:solidFill>
+                <a:effectLst/>
+                <a:latin typeface="+mn-lt"/>
+                <a:ea typeface="+mn-ea"/>
+                <a:cs typeface="+mn-cs"/>
+              </a:rPr>
+              <a:t>vSphere</a:t>
+            </a:r>
+            <a:r>
+              <a:rPr lang="en-US" sz="1200" kern="1200" dirty="0" smtClean="0">
+                <a:solidFill>
+                  <a:schemeClr val="tx1"/>
+                </a:solidFill>
+                <a:effectLst/>
+                <a:latin typeface="+mn-lt"/>
+                <a:ea typeface="+mn-ea"/>
+                <a:cs typeface="+mn-cs"/>
+              </a:rPr>
+              <a:t> or </a:t>
+            </a:r>
+            <a:r>
+              <a:rPr lang="en-US" sz="1200" kern="1200" dirty="0" err="1" smtClean="0">
+                <a:solidFill>
+                  <a:schemeClr val="tx1"/>
+                </a:solidFill>
+                <a:effectLst/>
+                <a:latin typeface="+mn-lt"/>
+                <a:ea typeface="+mn-ea"/>
+                <a:cs typeface="+mn-cs"/>
+              </a:rPr>
+              <a:t>OpenStack</a:t>
+            </a:r>
+            <a:r>
+              <a:rPr lang="en-US" sz="1200" kern="1200" dirty="0" smtClean="0">
+                <a:solidFill>
+                  <a:schemeClr val="tx1"/>
+                </a:solidFill>
+                <a:effectLst/>
+                <a:latin typeface="+mn-lt"/>
+                <a:ea typeface="+mn-ea"/>
+                <a:cs typeface="+mn-cs"/>
+              </a:rPr>
+              <a:t>). </a:t>
+            </a:r>
+            <a:endParaRPr lang="en-US" dirty="0" smtClean="0">
+              <a:effectLst/>
+            </a:endParaRPr>
+          </a:p>
+          <a:p>
+            <a:endParaRPr lang="en-US" dirty="0"/>
+          </a:p>
+        </p:txBody>
+      </p:sp>
+      <p:sp>
+        <p:nvSpPr>
+          <p:cNvPr id="4" name="Slide Number Placeholder 3"/>
+          <p:cNvSpPr>
+            <a:spLocks noGrp="1"/>
+          </p:cNvSpPr>
+          <p:nvPr>
+            <p:ph type="sldNum" sz="quarter" idx="10"/>
+          </p:nvPr>
+        </p:nvSpPr>
+        <p:spPr/>
+        <p:txBody>
+          <a:bodyPr/>
+          <a:lstStyle/>
+          <a:p>
+            <a:fld id="{4A9D8C0A-C076-214D-A2D0-732BBC5FCAE2}" type="slidenum">
+              <a:rPr lang="en-US" smtClean="0"/>
+              <a:t>11</a:t>
+            </a:fld>
+            <a:endParaRPr lang="en-US"/>
+          </a:p>
+        </p:txBody>
+      </p:sp>
+    </p:spTree>
+    <p:extLst>
+      <p:ext uri="{BB962C8B-B14F-4D97-AF65-F5344CB8AC3E}">
+        <p14:creationId xmlns:p14="http://schemas.microsoft.com/office/powerpoint/2010/main" val="4283456988"/>
+      </p:ext>
+    </p:extLst>
+  </p:cSld>
+  <p:clrMapOvr>
+    <a:masterClrMapping/>
+  </p:clrMapOvr>
+</p:notes>
+</file>
+
+<file path=ppt/notesSlides/notesSlide6.xml><?xml version="1.0" encoding="utf-8"?>
+<p:notes xmlns:a="http://schemas.openxmlformats.org/drawingml/2006/main" xmlns:r="http://schemas.openxmlformats.org/officeDocument/2006/relationships" xmlns:p="http://schemas.openxmlformats.org/presentationml/2006/main">
+  <p:cSld>
+    <p:spTree>
+      <p:nvGrpSpPr>
+        <p:cNvPr id="1" name=""/>
+        <p:cNvGrpSpPr/>
+        <p:nvPr/>
+      </p:nvGrpSpPr>
+      <p:grpSpPr>
+        <a:xfrm>
+          <a:off x="0" y="0"/>
+          <a:ext cx="0" cy="0"/>
+          <a:chOff x="0" y="0"/>
+          <a:chExt cx="0" cy="0"/>
+        </a:xfrm>
+      </p:grpSpPr>
+      <p:sp>
+        <p:nvSpPr>
+          <p:cNvPr id="2" name="Slide Image Placeholder 1"/>
+          <p:cNvSpPr>
+            <a:spLocks noGrp="1" noRot="1" noChangeAspect="1"/>
+          </p:cNvSpPr>
+          <p:nvPr>
+            <p:ph type="sldImg"/>
+          </p:nvPr>
+        </p:nvSpPr>
+        <p:spPr/>
+      </p:sp>
+      <p:sp>
+        <p:nvSpPr>
+          <p:cNvPr id="3" name="Notes Placeholder 2"/>
+          <p:cNvSpPr>
+            <a:spLocks noGrp="1"/>
+          </p:cNvSpPr>
+          <p:nvPr>
+            <p:ph type="body" idx="1"/>
+          </p:nvPr>
+        </p:nvSpPr>
+        <p:spPr/>
+        <p:txBody>
+          <a:bodyPr/>
+          <a:lstStyle/>
+          <a:p>
             <a:pPr marL="0" marR="0" indent="0" algn="l" defTabSz="457200" rtl="0" eaLnBrk="1" fontAlgn="auto" latinLnBrk="0" hangingPunct="1">
               <a:lnSpc>
                 <a:spcPct val="100000"/>
@@ -1393,7 +1894,7 @@
           <a:p>
             <a:fld id="{4A9D8C0A-C076-214D-A2D0-732BBC5FCAE2}" type="slidenum">
               <a:rPr lang="en-US" smtClean="0"/>
-              <a:t>9</a:t>
+              <a:t>12</a:t>
             </a:fld>
             <a:endParaRPr lang="en-US"/>
           </a:p>
@@ -1412,7 +1913,7 @@
 </p:notes>
 </file>
 
-<file path=ppt/notesSlides/notesSlide4.xml><?xml version="1.0" encoding="utf-8"?>
+<file path=ppt/notesSlides/notesSlide7.xml><?xml version="1.0" encoding="utf-8"?>
 <p:notes xmlns:a="http://schemas.openxmlformats.org/drawingml/2006/main" xmlns:r="http://schemas.openxmlformats.org/officeDocument/2006/relationships" xmlns:p="http://schemas.openxmlformats.org/presentationml/2006/main">
   <p:cSld>
     <p:spTree>
@@ -1548,7 +2049,7 @@
           <a:p>
             <a:fld id="{4A9D8C0A-C076-214D-A2D0-732BBC5FCAE2}" type="slidenum">
               <a:rPr lang="en-US" smtClean="0"/>
-              <a:t>10</a:t>
+              <a:t>13</a:t>
             </a:fld>
             <a:endParaRPr lang="en-US"/>
           </a:p>
@@ -1567,7 +2068,7 @@
 </p:notes>
 </file>
 
-<file path=ppt/notesSlides/notesSlide5.xml><?xml version="1.0" encoding="utf-8"?>
+<file path=ppt/notesSlides/notesSlide8.xml><?xml version="1.0" encoding="utf-8"?>
 <p:notes xmlns:a="http://schemas.openxmlformats.org/drawingml/2006/main" xmlns:r="http://schemas.openxmlformats.org/officeDocument/2006/relationships" xmlns:p="http://schemas.openxmlformats.org/presentationml/2006/main">
   <p:cSld>
     <p:spTree>
@@ -1632,7 +2133,7 @@
           <a:p>
             <a:fld id="{4A9D8C0A-C076-214D-A2D0-732BBC5FCAE2}" type="slidenum">
               <a:rPr lang="en-US" smtClean="0"/>
-              <a:t>11</a:t>
+              <a:t>14</a:t>
             </a:fld>
             <a:endParaRPr lang="en-US"/>
           </a:p>
@@ -1832,7 +2333,7 @@
           <a:p>
             <a:fld id="{92122C78-872C-BD46-92C2-FE2D14519D25}" type="datetimeFigureOut">
               <a:rPr lang="en-US" smtClean="0"/>
-              <a:t>1/1/16</a:t>
+              <a:t>1/2/16</a:t>
             </a:fld>
             <a:endParaRPr lang="en-US"/>
           </a:p>
@@ -2002,7 +2503,7 @@
           <a:p>
             <a:fld id="{92122C78-872C-BD46-92C2-FE2D14519D25}" type="datetimeFigureOut">
               <a:rPr lang="en-US" smtClean="0"/>
-              <a:t>1/1/16</a:t>
+              <a:t>1/2/16</a:t>
             </a:fld>
             <a:endParaRPr lang="en-US"/>
           </a:p>
@@ -2182,7 +2683,7 @@
           <a:p>
             <a:fld id="{92122C78-872C-BD46-92C2-FE2D14519D25}" type="datetimeFigureOut">
               <a:rPr lang="en-US" smtClean="0"/>
-              <a:t>1/1/16</a:t>
+              <a:t>1/2/16</a:t>
             </a:fld>
             <a:endParaRPr lang="en-US"/>
           </a:p>
@@ -2352,7 +2853,7 @@
           <a:p>
             <a:fld id="{92122C78-872C-BD46-92C2-FE2D14519D25}" type="datetimeFigureOut">
               <a:rPr lang="en-US" smtClean="0"/>
-              <a:t>1/1/16</a:t>
+              <a:t>1/2/16</a:t>
             </a:fld>
             <a:endParaRPr lang="en-US"/>
           </a:p>
@@ -2598,7 +3099,7 @@
           <a:p>
             <a:fld id="{92122C78-872C-BD46-92C2-FE2D14519D25}" type="datetimeFigureOut">
               <a:rPr lang="en-US" smtClean="0"/>
-              <a:t>1/1/16</a:t>
+              <a:t>1/2/16</a:t>
             </a:fld>
             <a:endParaRPr lang="en-US"/>
           </a:p>
@@ -2886,7 +3387,7 @@
           <a:p>
             <a:fld id="{92122C78-872C-BD46-92C2-FE2D14519D25}" type="datetimeFigureOut">
               <a:rPr lang="en-US" smtClean="0"/>
-              <a:t>1/1/16</a:t>
+              <a:t>1/2/16</a:t>
             </a:fld>
             <a:endParaRPr lang="en-US"/>
           </a:p>
@@ -3308,7 +3809,7 @@
           <a:p>
             <a:fld id="{92122C78-872C-BD46-92C2-FE2D14519D25}" type="datetimeFigureOut">
               <a:rPr lang="en-US" smtClean="0"/>
-              <a:t>1/1/16</a:t>
+              <a:t>1/2/16</a:t>
             </a:fld>
             <a:endParaRPr lang="en-US"/>
           </a:p>
@@ -3426,7 +3927,7 @@
           <a:p>
             <a:fld id="{92122C78-872C-BD46-92C2-FE2D14519D25}" type="datetimeFigureOut">
               <a:rPr lang="en-US" smtClean="0"/>
-              <a:t>1/1/16</a:t>
+              <a:t>1/2/16</a:t>
             </a:fld>
             <a:endParaRPr lang="en-US"/>
           </a:p>
@@ -3521,7 +4022,7 @@
           <a:p>
             <a:fld id="{92122C78-872C-BD46-92C2-FE2D14519D25}" type="datetimeFigureOut">
               <a:rPr lang="en-US" smtClean="0"/>
-              <a:t>1/1/16</a:t>
+              <a:t>1/2/16</a:t>
             </a:fld>
             <a:endParaRPr lang="en-US"/>
           </a:p>
@@ -3798,7 +4299,7 @@
           <a:p>
             <a:fld id="{92122C78-872C-BD46-92C2-FE2D14519D25}" type="datetimeFigureOut">
               <a:rPr lang="en-US" smtClean="0"/>
-              <a:t>1/1/16</a:t>
+              <a:t>1/2/16</a:t>
             </a:fld>
             <a:endParaRPr lang="en-US"/>
           </a:p>
@@ -4051,7 +4552,7 @@
           <a:p>
             <a:fld id="{92122C78-872C-BD46-92C2-FE2D14519D25}" type="datetimeFigureOut">
               <a:rPr lang="en-US" smtClean="0"/>
-              <a:t>1/1/16</a:t>
+              <a:t>1/2/16</a:t>
             </a:fld>
             <a:endParaRPr lang="en-US"/>
           </a:p>
@@ -4264,7 +4765,7 @@
           <a:p>
             <a:fld id="{92122C78-872C-BD46-92C2-FE2D14519D25}" type="datetimeFigureOut">
               <a:rPr lang="en-US" smtClean="0"/>
-              <a:t>1/1/16</a:t>
+              <a:t>1/2/16</a:t>
             </a:fld>
             <a:endParaRPr lang="en-US"/>
           </a:p>
@@ -4738,6 +5239,336 @@
             <a:spLocks noGrp="1"/>
           </p:cNvSpPr>
           <p:nvPr>
+            <p:ph type="ctrTitle"/>
+          </p:nvPr>
+        </p:nvSpPr>
+        <p:spPr/>
+        <p:txBody>
+          <a:bodyPr/>
+          <a:lstStyle/>
+          <a:p>
+            <a:r>
+              <a:rPr lang="en-US" dirty="0" smtClean="0"/>
+              <a:t>Cloud-Native Architecture</a:t>
+            </a:r>
+            <a:endParaRPr lang="en-US" dirty="0"/>
+          </a:p>
+        </p:txBody>
+      </p:sp>
+    </p:spTree>
+    <p:extLst>
+      <p:ext uri="{BB962C8B-B14F-4D97-AF65-F5344CB8AC3E}">
+        <p14:creationId xmlns:p14="http://schemas.microsoft.com/office/powerpoint/2010/main" val="3752186916"/>
+      </p:ext>
+    </p:extLst>
+  </p:cSld>
+  <p:clrMapOvr>
+    <a:masterClrMapping/>
+  </p:clrMapOvr>
+</p:sld>
+</file>
+
+<file path=ppt/slides/slide11.xml><?xml version="1.0" encoding="utf-8"?>
+<p:sld xmlns:a="http://schemas.openxmlformats.org/drawingml/2006/main" xmlns:r="http://schemas.openxmlformats.org/officeDocument/2006/relationships" xmlns:p="http://schemas.openxmlformats.org/presentationml/2006/main">
+  <p:cSld>
+    <p:spTree>
+      <p:nvGrpSpPr>
+        <p:cNvPr id="1" name=""/>
+        <p:cNvGrpSpPr/>
+        <p:nvPr/>
+      </p:nvGrpSpPr>
+      <p:grpSpPr>
+        <a:xfrm>
+          <a:off x="0" y="0"/>
+          <a:ext cx="0" cy="0"/>
+          <a:chOff x="0" y="0"/>
+          <a:chExt cx="0" cy="0"/>
+        </a:xfrm>
+      </p:grpSpPr>
+      <p:sp>
+        <p:nvSpPr>
+          <p:cNvPr id="2" name="Title 1"/>
+          <p:cNvSpPr>
+            <a:spLocks noGrp="1"/>
+          </p:cNvSpPr>
+          <p:nvPr>
+            <p:ph type="title"/>
+          </p:nvPr>
+        </p:nvSpPr>
+        <p:spPr/>
+        <p:txBody>
+          <a:bodyPr>
+            <a:normAutofit fontScale="90000"/>
+          </a:bodyPr>
+          <a:lstStyle/>
+          <a:p>
+            <a:r>
+              <a:rPr lang="en-US" dirty="0" smtClean="0"/>
+              <a:t>Cloud-Native Applications for Delivering Speed &amp; Innovation Safely </a:t>
+            </a:r>
+            <a:endParaRPr lang="en-US" dirty="0"/>
+          </a:p>
+        </p:txBody>
+      </p:sp>
+      <p:sp>
+        <p:nvSpPr>
+          <p:cNvPr id="3" name="Content Placeholder 2"/>
+          <p:cNvSpPr>
+            <a:spLocks noGrp="1"/>
+          </p:cNvSpPr>
+          <p:nvPr>
+            <p:ph idx="1"/>
+          </p:nvPr>
+        </p:nvSpPr>
+        <p:spPr/>
+        <p:txBody>
+          <a:bodyPr>
+            <a:normAutofit/>
+          </a:bodyPr>
+          <a:lstStyle/>
+          <a:p>
+            <a:r>
+              <a:rPr lang="en-US" sz="2400" dirty="0" smtClean="0"/>
+              <a:t>Cloud-native applications are at the center of how disruptive companies such as </a:t>
+            </a:r>
+            <a:r>
+              <a:rPr lang="en-US" sz="2400" dirty="0" err="1" smtClean="0"/>
+              <a:t>Uber</a:t>
+            </a:r>
+            <a:r>
+              <a:rPr lang="en-US" sz="2400" dirty="0" smtClean="0"/>
+              <a:t>, Netflix, Square and </a:t>
+            </a:r>
+            <a:r>
+              <a:rPr lang="en-US" sz="2400" dirty="0" err="1" smtClean="0"/>
+              <a:t>Airbnb</a:t>
+            </a:r>
+            <a:r>
+              <a:rPr lang="en-US" sz="2400" dirty="0" smtClean="0"/>
+              <a:t> are able to provide:</a:t>
+            </a:r>
+          </a:p>
+          <a:p>
+            <a:pPr lvl="1"/>
+            <a:r>
+              <a:rPr lang="en-US" sz="2000" dirty="0" smtClean="0"/>
+              <a:t>New innovation at light speed</a:t>
+            </a:r>
+          </a:p>
+          <a:p>
+            <a:pPr lvl="1"/>
+            <a:r>
+              <a:rPr lang="en-US" sz="2000" dirty="0" smtClean="0"/>
+              <a:t>Always available services</a:t>
+            </a:r>
+          </a:p>
+          <a:p>
+            <a:pPr lvl="1"/>
+            <a:r>
+              <a:rPr lang="en-US" sz="2000" dirty="0" smtClean="0"/>
+              <a:t>Web-scale applications</a:t>
+            </a:r>
+          </a:p>
+          <a:p>
+            <a:pPr lvl="1"/>
+            <a:r>
+              <a:rPr lang="en-US" sz="2000" dirty="0" smtClean="0"/>
+              <a:t>Device agnostic user experiences</a:t>
+            </a:r>
+          </a:p>
+          <a:p>
+            <a:r>
+              <a:rPr lang="en-US" sz="2400" dirty="0" smtClean="0"/>
+              <a:t>Cloud is any computing </a:t>
+            </a:r>
+            <a:r>
+              <a:rPr lang="en-US" sz="2400" dirty="0"/>
+              <a:t>environment in which computing</a:t>
+            </a:r>
+            <a:r>
+              <a:rPr lang="en-US" sz="2400" dirty="0" smtClean="0"/>
+              <a:t>, networking</a:t>
+            </a:r>
+            <a:r>
+              <a:rPr lang="en-US" sz="2400" dirty="0"/>
+              <a:t>, and storage resources can be provisioned and released </a:t>
+            </a:r>
+            <a:r>
+              <a:rPr lang="en-US" sz="2400" dirty="0" smtClean="0"/>
+              <a:t>elastically </a:t>
+            </a:r>
+            <a:r>
+              <a:rPr lang="en-US" sz="2400" dirty="0"/>
+              <a:t>in an on-demand, self-service </a:t>
+            </a:r>
+            <a:r>
+              <a:rPr lang="en-US" sz="2400" dirty="0" smtClean="0"/>
+              <a:t>manner. </a:t>
+            </a:r>
+            <a:endParaRPr lang="en-US" sz="2400" dirty="0" smtClean="0">
+              <a:effectLst/>
+            </a:endParaRPr>
+          </a:p>
+          <a:p>
+            <a:endParaRPr lang="en-US" sz="2400" dirty="0"/>
+          </a:p>
+        </p:txBody>
+      </p:sp>
+    </p:spTree>
+    <p:extLst>
+      <p:ext uri="{BB962C8B-B14F-4D97-AF65-F5344CB8AC3E}">
+        <p14:creationId xmlns:p14="http://schemas.microsoft.com/office/powerpoint/2010/main" val="3819330735"/>
+      </p:ext>
+    </p:extLst>
+  </p:cSld>
+  <p:clrMapOvr>
+    <a:masterClrMapping/>
+  </p:clrMapOvr>
+</p:sld>
+</file>
+
+<file path=ppt/slides/slide12.xml><?xml version="1.0" encoding="utf-8"?>
+<p:sld xmlns:a="http://schemas.openxmlformats.org/drawingml/2006/main" xmlns:r="http://schemas.openxmlformats.org/officeDocument/2006/relationships" xmlns:p="http://schemas.openxmlformats.org/presentationml/2006/main">
+  <p:cSld>
+    <p:spTree>
+      <p:nvGrpSpPr>
+        <p:cNvPr id="1" name=""/>
+        <p:cNvGrpSpPr/>
+        <p:nvPr/>
+      </p:nvGrpSpPr>
+      <p:grpSpPr>
+        <a:xfrm>
+          <a:off x="0" y="0"/>
+          <a:ext cx="0" cy="0"/>
+          <a:chOff x="0" y="0"/>
+          <a:chExt cx="0" cy="0"/>
+        </a:xfrm>
+      </p:grpSpPr>
+      <p:sp>
+        <p:nvSpPr>
+          <p:cNvPr id="2" name="Title 1"/>
+          <p:cNvSpPr>
+            <a:spLocks noGrp="1"/>
+          </p:cNvSpPr>
+          <p:nvPr>
+            <p:ph type="title"/>
+          </p:nvPr>
+        </p:nvSpPr>
+        <p:spPr/>
+        <p:txBody>
+          <a:bodyPr/>
+          <a:lstStyle/>
+          <a:p>
+            <a:r>
+              <a:rPr lang="en-US" dirty="0" smtClean="0"/>
+              <a:t>Speed</a:t>
+            </a:r>
+            <a:endParaRPr lang="en-US" dirty="0"/>
+          </a:p>
+        </p:txBody>
+      </p:sp>
+      <p:sp>
+        <p:nvSpPr>
+          <p:cNvPr id="3" name="Content Placeholder 2"/>
+          <p:cNvSpPr>
+            <a:spLocks noGrp="1"/>
+          </p:cNvSpPr>
+          <p:nvPr>
+            <p:ph idx="1"/>
+          </p:nvPr>
+        </p:nvSpPr>
+        <p:spPr/>
+        <p:txBody>
+          <a:bodyPr>
+            <a:normAutofit/>
+          </a:bodyPr>
+          <a:lstStyle/>
+          <a:p>
+            <a:r>
+              <a:rPr lang="en-US" sz="2400" dirty="0" smtClean="0"/>
+              <a:t>How long would it take Fannie Mae to deploy a change that involves just one single line of code? </a:t>
+            </a:r>
+          </a:p>
+          <a:p>
+            <a:r>
+              <a:rPr lang="en-US" sz="2400" dirty="0"/>
+              <a:t>Provisioning a new application environment by making a call to a cloud service API is faster than a form-based manual process by several orders of </a:t>
+            </a:r>
+            <a:r>
+              <a:rPr lang="en-US" sz="2400" dirty="0" smtClean="0"/>
+              <a:t>magnitude</a:t>
+            </a:r>
+            <a:r>
+              <a:rPr lang="en-US" sz="2400" dirty="0"/>
+              <a:t>. </a:t>
+            </a:r>
+            <a:endParaRPr lang="en-US" sz="2400" dirty="0" smtClean="0"/>
+          </a:p>
+          <a:p>
+            <a:r>
+              <a:rPr lang="en-US" sz="2400" dirty="0"/>
+              <a:t>If you can deploy hundreds of times per day, you can recover from mistakes almost instantly. If you can recover from mistakes almost instantly, you can take on more risk. If you can take on more risk, you can try </a:t>
+            </a:r>
+            <a:r>
+              <a:rPr lang="en-US" sz="2400" dirty="0" smtClean="0"/>
+              <a:t>experiments</a:t>
+            </a:r>
+            <a:r>
+              <a:rPr lang="en-US" sz="2400" dirty="0"/>
+              <a:t>—the results might turn into </a:t>
+            </a:r>
+            <a:r>
+              <a:rPr lang="en-US" sz="2400" dirty="0" smtClean="0"/>
+              <a:t>our </a:t>
+            </a:r>
+            <a:r>
+              <a:rPr lang="en-US" sz="2400" dirty="0"/>
+              <a:t>next competitive advantage. </a:t>
+            </a:r>
+            <a:endParaRPr lang="en-US" sz="2400" dirty="0" smtClean="0"/>
+          </a:p>
+          <a:p>
+            <a:endParaRPr lang="en-US" dirty="0"/>
+          </a:p>
+        </p:txBody>
+      </p:sp>
+    </p:spTree>
+    <p:extLst>
+      <p:ext uri="{BB962C8B-B14F-4D97-AF65-F5344CB8AC3E}">
+        <p14:creationId xmlns:p14="http://schemas.microsoft.com/office/powerpoint/2010/main" val="3122462795"/>
+      </p:ext>
+    </p:extLst>
+  </p:cSld>
+  <p:clrMapOvr>
+    <a:masterClrMapping/>
+  </p:clrMapOvr>
+</p:sld>
+</file>
+
+<file path=ppt/slides/slide13.xml><?xml version="1.0" encoding="utf-8"?>
+<p:sld xmlns:a="http://schemas.openxmlformats.org/drawingml/2006/main" xmlns:r="http://schemas.openxmlformats.org/officeDocument/2006/relationships" xmlns:p="http://schemas.openxmlformats.org/presentationml/2006/main">
+  <p:cSld>
+    <p:spTree>
+      <p:nvGrpSpPr>
+        <p:cNvPr id="1" name=""/>
+        <p:cNvGrpSpPr/>
+        <p:nvPr/>
+      </p:nvGrpSpPr>
+      <p:grpSpPr>
+        <a:xfrm>
+          <a:off x="0" y="0"/>
+          <a:ext cx="0" cy="0"/>
+          <a:chOff x="0" y="0"/>
+          <a:chExt cx="0" cy="0"/>
+        </a:xfrm>
+      </p:grpSpPr>
+      <p:sp>
+        <p:nvSpPr>
+          <p:cNvPr id="2" name="Title 1"/>
+          <p:cNvSpPr>
+            <a:spLocks noGrp="1"/>
+          </p:cNvSpPr>
+          <p:nvPr>
             <p:ph type="title"/>
           </p:nvPr>
         </p:nvSpPr>
@@ -4826,7 +5657,7 @@
 </p:sld>
 </file>
 
-<file path=ppt/slides/slide11.xml><?xml version="1.0" encoding="utf-8"?>
+<file path=ppt/slides/slide14.xml><?xml version="1.0" encoding="utf-8"?>
 <p:sld xmlns:a="http://schemas.openxmlformats.org/drawingml/2006/main" xmlns:r="http://schemas.openxmlformats.org/officeDocument/2006/relationships" xmlns:p="http://schemas.openxmlformats.org/presentationml/2006/main">
   <p:cSld>
     <p:spTree>
@@ -5006,11 +5837,7 @@
             </a:r>
             <a:r>
               <a:rPr lang="en-US" b="1" dirty="0" smtClean="0"/>
-              <a:t>Micro</a:t>
-            </a:r>
-            <a:r>
-              <a:rPr lang="en-US" b="1" dirty="0" smtClean="0"/>
-              <a:t>-services for Continuous Delivery</a:t>
+              <a:t>Micro-services for Continuous Delivery</a:t>
             </a:r>
           </a:p>
           <a:p>
@@ -5573,8 +6400,12 @@
           <a:lstStyle/>
           <a:p>
             <a:r>
-              <a:rPr lang="en-US" dirty="0" smtClean="0"/>
-              <a:t>Cloud-Native Architecture</a:t>
+              <a:rPr lang="en-US" i="1" dirty="0" smtClean="0"/>
+              <a:t>12 Factor </a:t>
+            </a:r>
+            <a:r>
+              <a:rPr lang="en-US" dirty="0" smtClean="0"/>
+              <a:t>Methodology</a:t>
             </a:r>
             <a:endParaRPr lang="en-US" dirty="0"/>
           </a:p>
@@ -5583,7 +6414,7 @@
     </p:spTree>
     <p:extLst>
       <p:ext uri="{BB962C8B-B14F-4D97-AF65-F5344CB8AC3E}">
-        <p14:creationId xmlns:p14="http://schemas.microsoft.com/office/powerpoint/2010/main" val="3752186916"/>
+        <p14:creationId xmlns:p14="http://schemas.microsoft.com/office/powerpoint/2010/main" val="353178583"/>
       </p:ext>
     </p:extLst>
   </p:cSld>
@@ -5622,127 +6453,110 @@
         </p:nvSpPr>
         <p:spPr/>
         <p:txBody>
+          <a:bodyPr/>
+          <a:lstStyle/>
+          <a:p>
+            <a:r>
+              <a:rPr lang="en-US" dirty="0" smtClean="0"/>
+              <a:t>12 Factor Apps </a:t>
+            </a:r>
+            <a:r>
+              <a:rPr lang="is-IS" dirty="0" smtClean="0"/>
+              <a:t>…</a:t>
+            </a:r>
+            <a:endParaRPr lang="en-US" dirty="0"/>
+          </a:p>
+        </p:txBody>
+      </p:sp>
+      <p:sp>
+        <p:nvSpPr>
+          <p:cNvPr id="3" name="Content Placeholder 2"/>
+          <p:cNvSpPr>
+            <a:spLocks noGrp="1"/>
+          </p:cNvSpPr>
+          <p:nvPr>
+            <p:ph idx="1"/>
+          </p:nvPr>
+        </p:nvSpPr>
+        <p:spPr/>
+        <p:txBody>
           <a:bodyPr>
-            <a:normAutofit fontScale="90000"/>
+            <a:normAutofit fontScale="77500" lnSpcReduction="20000"/>
           </a:bodyPr>
           <a:lstStyle/>
           <a:p>
             <a:r>
-              <a:rPr lang="en-US" dirty="0" smtClean="0"/>
-              <a:t>Cloud-Native Applications for Delivering Speed &amp; Innovation Safely </a:t>
+              <a:rPr lang="en-US" dirty="0"/>
+              <a:t>Use declarative formats for setup automation, to minimize time and cost for new developers joining the </a:t>
+            </a:r>
+            <a:r>
+              <a:rPr lang="en-US" dirty="0" smtClean="0"/>
+              <a:t>project</a:t>
+            </a:r>
+          </a:p>
+          <a:p>
+            <a:r>
+              <a:rPr lang="en-US" dirty="0" smtClean="0"/>
+              <a:t>Have </a:t>
+            </a:r>
+            <a:r>
+              <a:rPr lang="en-US" dirty="0"/>
+              <a:t>a clean contract with the underlying operating system, offering maximum portability between execution </a:t>
+            </a:r>
+            <a:r>
+              <a:rPr lang="en-US" dirty="0" smtClean="0"/>
+              <a:t>environments</a:t>
+            </a:r>
+          </a:p>
+          <a:p>
+            <a:r>
+              <a:rPr lang="en-US" dirty="0" smtClean="0"/>
+              <a:t>Are </a:t>
+            </a:r>
+            <a:r>
+              <a:rPr lang="en-US" dirty="0"/>
+              <a:t>suitable for deployment on modern cloud platforms, obviating the need for servers and systems </a:t>
+            </a:r>
+            <a:r>
+              <a:rPr lang="en-US" dirty="0" smtClean="0"/>
+              <a:t>administration</a:t>
+            </a:r>
+          </a:p>
+          <a:p>
+            <a:r>
+              <a:rPr lang="en-US" dirty="0" smtClean="0"/>
+              <a:t>Minimize </a:t>
+            </a:r>
+            <a:r>
+              <a:rPr lang="en-US" dirty="0"/>
+              <a:t>divergence between development and production, enabling continuous deployment for maximum </a:t>
+            </a:r>
+            <a:r>
+              <a:rPr lang="en-US" dirty="0" smtClean="0"/>
+              <a:t>agility</a:t>
+            </a:r>
+          </a:p>
+          <a:p>
+            <a:r>
+              <a:rPr lang="en-US" dirty="0" smtClean="0"/>
+              <a:t>Can </a:t>
+            </a:r>
+            <a:r>
+              <a:rPr lang="en-US" dirty="0"/>
+              <a:t>scale up without significant changes to tooling, architecture, or development </a:t>
+            </a:r>
+            <a:r>
+              <a:rPr lang="en-US" dirty="0" smtClean="0"/>
+              <a:t>practices</a:t>
             </a:r>
             <a:endParaRPr lang="en-US" dirty="0"/>
-          </a:p>
-        </p:txBody>
-      </p:sp>
-      <p:sp>
-        <p:nvSpPr>
-          <p:cNvPr id="3" name="Content Placeholder 2"/>
-          <p:cNvSpPr>
-            <a:spLocks noGrp="1"/>
-          </p:cNvSpPr>
-          <p:nvPr>
-            <p:ph idx="1"/>
-          </p:nvPr>
-        </p:nvSpPr>
-        <p:spPr/>
-        <p:txBody>
-          <a:bodyPr>
-            <a:normAutofit/>
-          </a:bodyPr>
-          <a:lstStyle/>
-          <a:p>
-            <a:r>
-              <a:rPr lang="en-US" sz="2400" dirty="0" smtClean="0"/>
-              <a:t>Cloud-native applications are at the center of how disruptive companies such as </a:t>
-            </a:r>
-            <a:r>
-              <a:rPr lang="en-US" sz="2400" dirty="0" err="1" smtClean="0"/>
-              <a:t>Uber</a:t>
-            </a:r>
-            <a:r>
-              <a:rPr lang="en-US" sz="2400" dirty="0" smtClean="0"/>
-              <a:t>, Netflix, Square and </a:t>
-            </a:r>
-            <a:r>
-              <a:rPr lang="en-US" sz="2400" dirty="0" err="1" smtClean="0"/>
-              <a:t>Airbnb</a:t>
-            </a:r>
-            <a:r>
-              <a:rPr lang="en-US" sz="2400" dirty="0" smtClean="0"/>
-              <a:t> are able to provide:</a:t>
-            </a:r>
-          </a:p>
-          <a:p>
-            <a:pPr lvl="1"/>
-            <a:r>
-              <a:rPr lang="en-US" sz="2000" dirty="0" smtClean="0"/>
-              <a:t>New innovation at light speed</a:t>
-            </a:r>
-          </a:p>
-          <a:p>
-            <a:pPr lvl="1"/>
-            <a:r>
-              <a:rPr lang="en-US" sz="2000" dirty="0" smtClean="0"/>
-              <a:t>Always available services</a:t>
-            </a:r>
-          </a:p>
-          <a:p>
-            <a:pPr lvl="1"/>
-            <a:r>
-              <a:rPr lang="en-US" sz="2000" dirty="0" smtClean="0"/>
-              <a:t>Web-scale applications</a:t>
-            </a:r>
-          </a:p>
-          <a:p>
-            <a:pPr lvl="1"/>
-            <a:r>
-              <a:rPr lang="en-US" sz="2000" dirty="0" smtClean="0"/>
-              <a:t>Device agnostic user experiences</a:t>
-            </a:r>
-          </a:p>
-          <a:p>
-            <a:r>
-              <a:rPr lang="en-US" sz="2400" dirty="0" smtClean="0"/>
-              <a:t>Cloud is any computing </a:t>
-            </a:r>
-            <a:r>
-              <a:rPr lang="en-US" sz="2400" dirty="0"/>
-              <a:t>environment in which computing</a:t>
-            </a:r>
-            <a:r>
-              <a:rPr lang="en-US" sz="2400" dirty="0" smtClean="0"/>
-              <a:t>, networking</a:t>
-            </a:r>
-            <a:r>
-              <a:rPr lang="en-US" sz="2400" dirty="0"/>
-              <a:t>, and storage resources can be provisioned and released </a:t>
-            </a:r>
-            <a:r>
-              <a:rPr lang="en-US" sz="2400" dirty="0" smtClean="0"/>
-              <a:t>elastically </a:t>
-            </a:r>
-            <a:r>
-              <a:rPr lang="en-US" sz="2400" dirty="0"/>
-              <a:t>in an on-demand, self-service </a:t>
-            </a:r>
-            <a:r>
-              <a:rPr lang="en-US" sz="2400" dirty="0" smtClean="0"/>
-              <a:t>manner. </a:t>
-            </a:r>
-            <a:endParaRPr lang="en-US" sz="2400" dirty="0" smtClean="0">
-              <a:effectLst/>
-            </a:endParaRPr>
-          </a:p>
-          <a:p>
-            <a:endParaRPr lang="en-US" sz="2400" dirty="0"/>
           </a:p>
         </p:txBody>
       </p:sp>
     </p:spTree>
     <p:extLst>
       <p:ext uri="{BB962C8B-B14F-4D97-AF65-F5344CB8AC3E}">
-        <p14:creationId xmlns:p14="http://schemas.microsoft.com/office/powerpoint/2010/main" val="3819330735"/>
+        <p14:creationId xmlns:p14="http://schemas.microsoft.com/office/powerpoint/2010/main" val="474880326"/>
       </p:ext>
     </p:extLst>
   </p:cSld>
@@ -5786,7 +6600,7 @@
           <a:p>
             <a:r>
               <a:rPr lang="en-US" dirty="0" smtClean="0"/>
-              <a:t>Speed</a:t>
+              <a:t>12 Factors</a:t>
             </a:r>
             <a:endParaRPr lang="en-US" dirty="0"/>
           </a:p>
@@ -5805,54 +6619,196 @@
         <p:spPr/>
         <p:txBody>
           <a:bodyPr>
-            <a:normAutofit/>
+            <a:normAutofit fontScale="62500" lnSpcReduction="20000"/>
           </a:bodyPr>
           <a:lstStyle/>
           <a:p>
-            <a:r>
-              <a:rPr lang="en-US" sz="2400" dirty="0" smtClean="0"/>
-              <a:t>How long would it take Fannie Mae to deploy a change that involves just one single line of code? </a:t>
-            </a:r>
-          </a:p>
-          <a:p>
-            <a:r>
-              <a:rPr lang="en-US" sz="2400" dirty="0"/>
-              <a:t>Provisioning a new application environment by making a call to a cloud service API is faster than a form-based manual process by several orders of </a:t>
-            </a:r>
-            <a:r>
-              <a:rPr lang="en-US" sz="2400" dirty="0" smtClean="0"/>
-              <a:t>magnitude</a:t>
-            </a:r>
-            <a:r>
-              <a:rPr lang="en-US" sz="2400" dirty="0"/>
-              <a:t>. </a:t>
-            </a:r>
-            <a:endParaRPr lang="en-US" sz="2400" dirty="0" smtClean="0"/>
-          </a:p>
-          <a:p>
-            <a:r>
-              <a:rPr lang="en-US" sz="2400" dirty="0"/>
-              <a:t>If you can deploy hundreds of times per day, you can recover from mistakes almost instantly. If you can recover from mistakes almost instantly, you can take on more risk. If you can take on more risk, you can try </a:t>
-            </a:r>
-            <a:r>
-              <a:rPr lang="en-US" sz="2400" dirty="0" smtClean="0"/>
-              <a:t>experiments</a:t>
-            </a:r>
-            <a:r>
-              <a:rPr lang="en-US" sz="2400" dirty="0"/>
-              <a:t>—the results might turn into </a:t>
-            </a:r>
-            <a:r>
-              <a:rPr lang="en-US" sz="2400" dirty="0" smtClean="0"/>
-              <a:t>our </a:t>
-            </a:r>
-            <a:r>
-              <a:rPr lang="en-US" sz="2400" dirty="0"/>
-              <a:t>next competitive advantage. </a:t>
-            </a:r>
-            <a:endParaRPr lang="en-US" sz="2400" dirty="0" smtClean="0"/>
-          </a:p>
-          <a:p>
+            <a:pPr marL="571500" indent="-571500">
+              <a:buFont typeface="+mj-lt"/>
+              <a:buAutoNum type="romanUcPeriod"/>
+            </a:pPr>
+            <a:r>
+              <a:rPr lang="en-US" b="1" dirty="0" smtClean="0"/>
+              <a:t>Codebase</a:t>
+            </a:r>
+            <a:r>
+              <a:rPr lang="en-US" dirty="0" smtClean="0"/>
+              <a:t> - One </a:t>
+            </a:r>
+            <a:r>
+              <a:rPr lang="en-US" dirty="0"/>
+              <a:t>codebase tracked in revision control, many </a:t>
+            </a:r>
+            <a:r>
+              <a:rPr lang="en-US" dirty="0" smtClean="0"/>
+              <a:t>deploys</a:t>
+            </a:r>
+          </a:p>
+          <a:p>
+            <a:pPr marL="571500" indent="-571500">
+              <a:buFont typeface="+mj-lt"/>
+              <a:buAutoNum type="romanUcPeriod"/>
+            </a:pPr>
+            <a:r>
+              <a:rPr lang="en-US" b="1" dirty="0" smtClean="0"/>
+              <a:t>Dependencies</a:t>
+            </a:r>
+            <a:r>
+              <a:rPr lang="en-US" dirty="0" smtClean="0"/>
+              <a:t> - Explicitly declare and isolate dependencies (“carry-ons”)</a:t>
+            </a:r>
+          </a:p>
+          <a:p>
+            <a:pPr marL="571500" indent="-571500">
+              <a:buFont typeface="+mj-lt"/>
+              <a:buAutoNum type="romanUcPeriod"/>
+            </a:pPr>
+            <a:r>
+              <a:rPr lang="en-US" b="1" dirty="0" err="1" smtClean="0"/>
+              <a:t>Config</a:t>
+            </a:r>
+            <a:r>
+              <a:rPr lang="en-US" dirty="0" smtClean="0"/>
+              <a:t> - Store </a:t>
+            </a:r>
+            <a:r>
+              <a:rPr lang="en-US" dirty="0" err="1" smtClean="0"/>
+              <a:t>config</a:t>
+            </a:r>
+            <a:r>
+              <a:rPr lang="en-US" dirty="0" smtClean="0"/>
+              <a:t> in the </a:t>
+            </a:r>
+            <a:r>
+              <a:rPr lang="en-US" b="1" i="1" dirty="0" smtClean="0"/>
+              <a:t>environment </a:t>
+            </a:r>
+          </a:p>
+          <a:p>
+            <a:pPr marL="571500" indent="-571500">
+              <a:buFont typeface="+mj-lt"/>
+              <a:buAutoNum type="romanUcPeriod"/>
+            </a:pPr>
+            <a:r>
+              <a:rPr lang="en-US" b="1" dirty="0" smtClean="0"/>
+              <a:t>Backing Services </a:t>
+            </a:r>
+            <a:r>
+              <a:rPr lang="en-US" dirty="0" smtClean="0"/>
+              <a:t>- Treat backing services as attached resources</a:t>
+            </a:r>
+          </a:p>
+          <a:p>
+            <a:pPr marL="571500" indent="-571500">
+              <a:buFont typeface="+mj-lt"/>
+              <a:buAutoNum type="romanUcPeriod"/>
+            </a:pPr>
+            <a:r>
+              <a:rPr lang="en-US" b="1" dirty="0" smtClean="0"/>
+              <a:t>Build, release, run </a:t>
+            </a:r>
+            <a:r>
+              <a:rPr lang="en-US" dirty="0" smtClean="0"/>
+              <a:t>- Strictly separate build and run stages</a:t>
+            </a:r>
+          </a:p>
+          <a:p>
+            <a:pPr marL="571500" indent="-571500">
+              <a:buFont typeface="+mj-lt"/>
+              <a:buAutoNum type="romanUcPeriod"/>
+            </a:pPr>
+            <a:r>
+              <a:rPr lang="en-US" b="1" dirty="0" smtClean="0"/>
+              <a:t>Processes</a:t>
+            </a:r>
+            <a:r>
+              <a:rPr lang="en-US" dirty="0" smtClean="0"/>
+              <a:t> - Execute the app as one or more stateless processes</a:t>
+            </a:r>
+          </a:p>
+          <a:p>
+            <a:pPr marL="571500" indent="-571500">
+              <a:buFont typeface="+mj-lt"/>
+              <a:buAutoNum type="romanUcPeriod"/>
+            </a:pPr>
+            <a:r>
+              <a:rPr lang="en-US" b="1" dirty="0" smtClean="0"/>
+              <a:t>Port binding </a:t>
+            </a:r>
+            <a:r>
+              <a:rPr lang="en-US" dirty="0" smtClean="0"/>
+              <a:t>- Export services via port binding</a:t>
+            </a:r>
+          </a:p>
+          <a:p>
+            <a:pPr marL="571500" indent="-571500">
+              <a:buFont typeface="+mj-lt"/>
+              <a:buAutoNum type="romanUcPeriod"/>
+            </a:pPr>
+            <a:r>
+              <a:rPr lang="en-US" b="1" dirty="0" smtClean="0"/>
+              <a:t>Concurrency</a:t>
+            </a:r>
+            <a:r>
+              <a:rPr lang="en-US" dirty="0" smtClean="0"/>
+              <a:t> - Scale out via the process model</a:t>
+            </a:r>
+          </a:p>
+          <a:p>
+            <a:pPr marL="571500" indent="-571500">
+              <a:buFont typeface="+mj-lt"/>
+              <a:buAutoNum type="romanUcPeriod"/>
+            </a:pPr>
+            <a:r>
+              <a:rPr lang="en-US" b="1" dirty="0" smtClean="0"/>
+              <a:t>Disposability</a:t>
+            </a:r>
+            <a:r>
+              <a:rPr lang="en-US" dirty="0" smtClean="0"/>
+              <a:t> - Maximize robustness with fast startup and graceful shutdown</a:t>
+            </a:r>
+          </a:p>
+          <a:p>
+            <a:pPr marL="571500" indent="-571500">
+              <a:buFont typeface="+mj-lt"/>
+              <a:buAutoNum type="romanUcPeriod"/>
+            </a:pPr>
+            <a:r>
+              <a:rPr lang="en-US" b="1" dirty="0" smtClean="0"/>
+              <a:t>Dev/prod parity </a:t>
+            </a:r>
+            <a:r>
+              <a:rPr lang="en-US" dirty="0" smtClean="0"/>
+              <a:t>- Keep development, staging, and production as similar as possible</a:t>
+            </a:r>
+          </a:p>
+          <a:p>
+            <a:pPr marL="571500" indent="-571500">
+              <a:buFont typeface="+mj-lt"/>
+              <a:buAutoNum type="romanUcPeriod"/>
+            </a:pPr>
+            <a:r>
+              <a:rPr lang="en-US" b="1" dirty="0" smtClean="0"/>
+              <a:t>Logs</a:t>
+            </a:r>
+            <a:r>
+              <a:rPr lang="en-US" dirty="0" smtClean="0"/>
+              <a:t> - Treat logs as event streams</a:t>
+            </a:r>
+          </a:p>
+          <a:p>
+            <a:pPr marL="571500" indent="-571500">
+              <a:buFont typeface="+mj-lt"/>
+              <a:buAutoNum type="romanUcPeriod"/>
+            </a:pPr>
+            <a:r>
+              <a:rPr lang="en-US" b="1" dirty="0" smtClean="0"/>
+              <a:t>Admin processes </a:t>
+            </a:r>
+            <a:r>
+              <a:rPr lang="en-US" dirty="0" smtClean="0"/>
+              <a:t>- Run admin/management tasks as one-off processes</a:t>
+            </a:r>
             <a:endParaRPr lang="en-US" dirty="0"/>
           </a:p>
         </p:txBody>
@@ -5860,7 +6816,7 @@
     </p:spTree>
     <p:extLst>
       <p:ext uri="{BB962C8B-B14F-4D97-AF65-F5344CB8AC3E}">
-        <p14:creationId xmlns:p14="http://schemas.microsoft.com/office/powerpoint/2010/main" val="3122462795"/>
+        <p14:creationId xmlns:p14="http://schemas.microsoft.com/office/powerpoint/2010/main" val="1519099672"/>
       </p:ext>
     </p:extLst>
   </p:cSld>
